--- a/All-Hand-Meetings/AHM-10-14-2015/Presentations/SIRIUS_AHM-liu.pptx
+++ b/All-Hand-Meetings/AHM-10-14-2015/Presentations/SIRIUS_AHM-liu.pptx
@@ -4,12 +4,21 @@
   <p:sldMasterIdLst>
     <p:sldMasterId id="2147483648" r:id="rId1"/>
   </p:sldMasterIdLst>
+  <p:notesMasterIdLst>
+    <p:notesMasterId r:id="rId10"/>
+  </p:notesMasterIdLst>
+  <p:handoutMasterIdLst>
+    <p:handoutMasterId r:id="rId11"/>
+  </p:handoutMasterIdLst>
   <p:sldIdLst>
-    <p:sldId id="257" r:id="rId2"/>
+    <p:sldId id="262" r:id="rId2"/>
     <p:sldId id="259" r:id="rId3"/>
-    <p:sldId id="258" r:id="rId4"/>
-    <p:sldId id="260" r:id="rId5"/>
-    <p:sldId id="261" r:id="rId6"/>
+    <p:sldId id="257" r:id="rId4"/>
+    <p:sldId id="258" r:id="rId5"/>
+    <p:sldId id="264" r:id="rId6"/>
+    <p:sldId id="260" r:id="rId7"/>
+    <p:sldId id="261" r:id="rId8"/>
+    <p:sldId id="263" r:id="rId9"/>
   </p:sldIdLst>
   <p:sldSz cx="9144000" cy="6858000" type="screen4x3"/>
   <p:notesSz cx="6858000" cy="9144000"/>
@@ -111,6 +120,523 @@
 </p:presentation>
 </file>
 
+<file path=ppt/handoutMasters/handoutMaster1.xml><?xml version="1.0" encoding="utf-8"?>
+<p:handoutMaster xmlns:a="http://schemas.openxmlformats.org/drawingml/2006/main" xmlns:r="http://schemas.openxmlformats.org/officeDocument/2006/relationships" xmlns:p="http://schemas.openxmlformats.org/presentationml/2006/main">
+  <p:cSld>
+    <p:bg>
+      <p:bgRef idx="1001">
+        <a:schemeClr val="bg1"/>
+      </p:bgRef>
+    </p:bg>
+    <p:spTree>
+      <p:nvGrpSpPr>
+        <p:cNvPr id="1" name=""/>
+        <p:cNvGrpSpPr/>
+        <p:nvPr/>
+      </p:nvGrpSpPr>
+      <p:grpSpPr>
+        <a:xfrm>
+          <a:off x="0" y="0"/>
+          <a:ext cx="0" cy="0"/>
+          <a:chOff x="0" y="0"/>
+          <a:chExt cx="0" cy="0"/>
+        </a:xfrm>
+      </p:grpSpPr>
+      <p:sp>
+        <p:nvSpPr>
+          <p:cNvPr id="2" name="Header Placeholder 1"/>
+          <p:cNvSpPr>
+            <a:spLocks noGrp="1"/>
+          </p:cNvSpPr>
+          <p:nvPr>
+            <p:ph type="hdr" sz="quarter"/>
+          </p:nvPr>
+        </p:nvSpPr>
+        <p:spPr>
+          <a:xfrm>
+            <a:off x="0" y="0"/>
+            <a:ext cx="2971800" cy="457200"/>
+          </a:xfrm>
+          <a:prstGeom prst="rect">
+            <a:avLst/>
+          </a:prstGeom>
+        </p:spPr>
+        <p:txBody>
+          <a:bodyPr vert="horz" lIns="91440" tIns="45720" rIns="91440" bIns="45720" rtlCol="0"/>
+          <a:lstStyle>
+            <a:lvl1pPr algn="l">
+              <a:defRPr sz="1200"/>
+            </a:lvl1pPr>
+          </a:lstStyle>
+          <a:p>
+            <a:endParaRPr lang="en-US"/>
+          </a:p>
+        </p:txBody>
+      </p:sp>
+      <p:sp>
+        <p:nvSpPr>
+          <p:cNvPr id="3" name="Date Placeholder 2"/>
+          <p:cNvSpPr>
+            <a:spLocks noGrp="1"/>
+          </p:cNvSpPr>
+          <p:nvPr>
+            <p:ph type="dt" sz="quarter" idx="1"/>
+          </p:nvPr>
+        </p:nvSpPr>
+        <p:spPr>
+          <a:xfrm>
+            <a:off x="3884613" y="0"/>
+            <a:ext cx="2971800" cy="457200"/>
+          </a:xfrm>
+          <a:prstGeom prst="rect">
+            <a:avLst/>
+          </a:prstGeom>
+        </p:spPr>
+        <p:txBody>
+          <a:bodyPr vert="horz" lIns="91440" tIns="45720" rIns="91440" bIns="45720" rtlCol="0"/>
+          <a:lstStyle>
+            <a:lvl1pPr algn="r">
+              <a:defRPr sz="1200"/>
+            </a:lvl1pPr>
+          </a:lstStyle>
+          <a:p>
+            <a:fld id="{75F8C5E6-2F7D-0442-96C2-87E1574750F6}" type="datetimeFigureOut">
+              <a:rPr lang="en-US" smtClean="0"/>
+              <a:t>10/18/15</a:t>
+            </a:fld>
+            <a:endParaRPr lang="en-US"/>
+          </a:p>
+        </p:txBody>
+      </p:sp>
+      <p:sp>
+        <p:nvSpPr>
+          <p:cNvPr id="4" name="Footer Placeholder 3"/>
+          <p:cNvSpPr>
+            <a:spLocks noGrp="1"/>
+          </p:cNvSpPr>
+          <p:nvPr>
+            <p:ph type="ftr" sz="quarter" idx="2"/>
+          </p:nvPr>
+        </p:nvSpPr>
+        <p:spPr>
+          <a:xfrm>
+            <a:off x="0" y="8685213"/>
+            <a:ext cx="2971800" cy="457200"/>
+          </a:xfrm>
+          <a:prstGeom prst="rect">
+            <a:avLst/>
+          </a:prstGeom>
+        </p:spPr>
+        <p:txBody>
+          <a:bodyPr vert="horz" lIns="91440" tIns="45720" rIns="91440" bIns="45720" rtlCol="0" anchor="b"/>
+          <a:lstStyle>
+            <a:lvl1pPr algn="l">
+              <a:defRPr sz="1200"/>
+            </a:lvl1pPr>
+          </a:lstStyle>
+          <a:p>
+            <a:endParaRPr lang="en-US"/>
+          </a:p>
+        </p:txBody>
+      </p:sp>
+      <p:sp>
+        <p:nvSpPr>
+          <p:cNvPr id="5" name="Slide Number Placeholder 4"/>
+          <p:cNvSpPr>
+            <a:spLocks noGrp="1"/>
+          </p:cNvSpPr>
+          <p:nvPr>
+            <p:ph type="sldNum" sz="quarter" idx="3"/>
+          </p:nvPr>
+        </p:nvSpPr>
+        <p:spPr>
+          <a:xfrm>
+            <a:off x="3884613" y="8685213"/>
+            <a:ext cx="2971800" cy="457200"/>
+          </a:xfrm>
+          <a:prstGeom prst="rect">
+            <a:avLst/>
+          </a:prstGeom>
+        </p:spPr>
+        <p:txBody>
+          <a:bodyPr vert="horz" lIns="91440" tIns="45720" rIns="91440" bIns="45720" rtlCol="0" anchor="b"/>
+          <a:lstStyle>
+            <a:lvl1pPr algn="r">
+              <a:defRPr sz="1200"/>
+            </a:lvl1pPr>
+          </a:lstStyle>
+          <a:p>
+            <a:fld id="{C8001F3F-F766-8644-BB00-4BBEB8EEE075}" type="slidenum">
+              <a:rPr lang="en-US" smtClean="0"/>
+              <a:t>‹#›</a:t>
+            </a:fld>
+            <a:endParaRPr lang="en-US"/>
+          </a:p>
+        </p:txBody>
+      </p:sp>
+    </p:spTree>
+    <p:extLst>
+      <p:ext uri="{BB962C8B-B14F-4D97-AF65-F5344CB8AC3E}">
+        <p14:creationId xmlns:p14="http://schemas.microsoft.com/office/powerpoint/2010/main" val="1339483216"/>
+      </p:ext>
+    </p:extLst>
+  </p:cSld>
+  <p:clrMap bg1="lt1" tx1="dk1" bg2="lt2" tx2="dk2" accent1="accent1" accent2="accent2" accent3="accent3" accent4="accent4" accent5="accent5" accent6="accent6" hlink="hlink" folHlink="folHlink"/>
+  <p:hf hdr="0" ftr="0" dt="0"/>
+</p:handoutMaster>
+</file>
+
+<file path=ppt/notesMasters/notesMaster1.xml><?xml version="1.0" encoding="utf-8"?>
+<p:notesMaster xmlns:a="http://schemas.openxmlformats.org/drawingml/2006/main" xmlns:r="http://schemas.openxmlformats.org/officeDocument/2006/relationships" xmlns:p="http://schemas.openxmlformats.org/presentationml/2006/main">
+  <p:cSld>
+    <p:bg>
+      <p:bgRef idx="1001">
+        <a:schemeClr val="bg1"/>
+      </p:bgRef>
+    </p:bg>
+    <p:spTree>
+      <p:nvGrpSpPr>
+        <p:cNvPr id="1" name=""/>
+        <p:cNvGrpSpPr/>
+        <p:nvPr/>
+      </p:nvGrpSpPr>
+      <p:grpSpPr>
+        <a:xfrm>
+          <a:off x="0" y="0"/>
+          <a:ext cx="0" cy="0"/>
+          <a:chOff x="0" y="0"/>
+          <a:chExt cx="0" cy="0"/>
+        </a:xfrm>
+      </p:grpSpPr>
+      <p:sp>
+        <p:nvSpPr>
+          <p:cNvPr id="2" name="Header Placeholder 1"/>
+          <p:cNvSpPr>
+            <a:spLocks noGrp="1"/>
+          </p:cNvSpPr>
+          <p:nvPr>
+            <p:ph type="hdr" sz="quarter"/>
+          </p:nvPr>
+        </p:nvSpPr>
+        <p:spPr>
+          <a:xfrm>
+            <a:off x="0" y="0"/>
+            <a:ext cx="2971800" cy="457200"/>
+          </a:xfrm>
+          <a:prstGeom prst="rect">
+            <a:avLst/>
+          </a:prstGeom>
+        </p:spPr>
+        <p:txBody>
+          <a:bodyPr vert="horz" lIns="91440" tIns="45720" rIns="91440" bIns="45720" rtlCol="0"/>
+          <a:lstStyle>
+            <a:lvl1pPr algn="l">
+              <a:defRPr sz="1200"/>
+            </a:lvl1pPr>
+          </a:lstStyle>
+          <a:p>
+            <a:endParaRPr lang="en-US"/>
+          </a:p>
+        </p:txBody>
+      </p:sp>
+      <p:sp>
+        <p:nvSpPr>
+          <p:cNvPr id="3" name="Date Placeholder 2"/>
+          <p:cNvSpPr>
+            <a:spLocks noGrp="1"/>
+          </p:cNvSpPr>
+          <p:nvPr>
+            <p:ph type="dt" idx="1"/>
+          </p:nvPr>
+        </p:nvSpPr>
+        <p:spPr>
+          <a:xfrm>
+            <a:off x="3884613" y="0"/>
+            <a:ext cx="2971800" cy="457200"/>
+          </a:xfrm>
+          <a:prstGeom prst="rect">
+            <a:avLst/>
+          </a:prstGeom>
+        </p:spPr>
+        <p:txBody>
+          <a:bodyPr vert="horz" lIns="91440" tIns="45720" rIns="91440" bIns="45720" rtlCol="0"/>
+          <a:lstStyle>
+            <a:lvl1pPr algn="r">
+              <a:defRPr sz="1200"/>
+            </a:lvl1pPr>
+          </a:lstStyle>
+          <a:p>
+            <a:fld id="{C9B20D42-4D88-1647-8620-E1101A87818B}" type="datetimeFigureOut">
+              <a:rPr lang="en-US" smtClean="0"/>
+              <a:t>10/18/15</a:t>
+            </a:fld>
+            <a:endParaRPr lang="en-US"/>
+          </a:p>
+        </p:txBody>
+      </p:sp>
+      <p:sp>
+        <p:nvSpPr>
+          <p:cNvPr id="4" name="Slide Image Placeholder 3"/>
+          <p:cNvSpPr>
+            <a:spLocks noGrp="1" noRot="1" noChangeAspect="1"/>
+          </p:cNvSpPr>
+          <p:nvPr>
+            <p:ph type="sldImg" idx="2"/>
+          </p:nvPr>
+        </p:nvSpPr>
+        <p:spPr>
+          <a:xfrm>
+            <a:off x="1143000" y="685800"/>
+            <a:ext cx="4572000" cy="3429000"/>
+          </a:xfrm>
+          <a:prstGeom prst="rect">
+            <a:avLst/>
+          </a:prstGeom>
+          <a:noFill/>
+          <a:ln w="12700">
+            <a:solidFill>
+              <a:prstClr val="black"/>
+            </a:solidFill>
+          </a:ln>
+        </p:spPr>
+        <p:txBody>
+          <a:bodyPr vert="horz" lIns="91440" tIns="45720" rIns="91440" bIns="45720" rtlCol="0" anchor="ctr"/>
+          <a:lstStyle/>
+          <a:p>
+            <a:endParaRPr lang="en-US"/>
+          </a:p>
+        </p:txBody>
+      </p:sp>
+      <p:sp>
+        <p:nvSpPr>
+          <p:cNvPr id="5" name="Notes Placeholder 4"/>
+          <p:cNvSpPr>
+            <a:spLocks noGrp="1"/>
+          </p:cNvSpPr>
+          <p:nvPr>
+            <p:ph type="body" sz="quarter" idx="3"/>
+          </p:nvPr>
+        </p:nvSpPr>
+        <p:spPr>
+          <a:xfrm>
+            <a:off x="685800" y="4343400"/>
+            <a:ext cx="5486400" cy="4114800"/>
+          </a:xfrm>
+          <a:prstGeom prst="rect">
+            <a:avLst/>
+          </a:prstGeom>
+        </p:spPr>
+        <p:txBody>
+          <a:bodyPr vert="horz" lIns="91440" tIns="45720" rIns="91440" bIns="45720" rtlCol="0"/>
+          <a:lstStyle/>
+          <a:p>
+            <a:pPr lvl="0"/>
+            <a:r>
+              <a:rPr lang="en-US" smtClean="0"/>
+              <a:t>Click to edit Master text styles</a:t>
+            </a:r>
+          </a:p>
+          <a:p>
+            <a:pPr lvl="1"/>
+            <a:r>
+              <a:rPr lang="en-US" smtClean="0"/>
+              <a:t>Second level</a:t>
+            </a:r>
+          </a:p>
+          <a:p>
+            <a:pPr lvl="2"/>
+            <a:r>
+              <a:rPr lang="en-US" smtClean="0"/>
+              <a:t>Third level</a:t>
+            </a:r>
+          </a:p>
+          <a:p>
+            <a:pPr lvl="3"/>
+            <a:r>
+              <a:rPr lang="en-US" smtClean="0"/>
+              <a:t>Fourth level</a:t>
+            </a:r>
+          </a:p>
+          <a:p>
+            <a:pPr lvl="4"/>
+            <a:r>
+              <a:rPr lang="en-US" smtClean="0"/>
+              <a:t>Fifth level</a:t>
+            </a:r>
+            <a:endParaRPr lang="en-US"/>
+          </a:p>
+        </p:txBody>
+      </p:sp>
+      <p:sp>
+        <p:nvSpPr>
+          <p:cNvPr id="6" name="Footer Placeholder 5"/>
+          <p:cNvSpPr>
+            <a:spLocks noGrp="1"/>
+          </p:cNvSpPr>
+          <p:nvPr>
+            <p:ph type="ftr" sz="quarter" idx="4"/>
+          </p:nvPr>
+        </p:nvSpPr>
+        <p:spPr>
+          <a:xfrm>
+            <a:off x="0" y="8685213"/>
+            <a:ext cx="2971800" cy="457200"/>
+          </a:xfrm>
+          <a:prstGeom prst="rect">
+            <a:avLst/>
+          </a:prstGeom>
+        </p:spPr>
+        <p:txBody>
+          <a:bodyPr vert="horz" lIns="91440" tIns="45720" rIns="91440" bIns="45720" rtlCol="0" anchor="b"/>
+          <a:lstStyle>
+            <a:lvl1pPr algn="l">
+              <a:defRPr sz="1200"/>
+            </a:lvl1pPr>
+          </a:lstStyle>
+          <a:p>
+            <a:endParaRPr lang="en-US"/>
+          </a:p>
+        </p:txBody>
+      </p:sp>
+      <p:sp>
+        <p:nvSpPr>
+          <p:cNvPr id="7" name="Slide Number Placeholder 6"/>
+          <p:cNvSpPr>
+            <a:spLocks noGrp="1"/>
+          </p:cNvSpPr>
+          <p:nvPr>
+            <p:ph type="sldNum" sz="quarter" idx="5"/>
+          </p:nvPr>
+        </p:nvSpPr>
+        <p:spPr>
+          <a:xfrm>
+            <a:off x="3884613" y="8685213"/>
+            <a:ext cx="2971800" cy="457200"/>
+          </a:xfrm>
+          <a:prstGeom prst="rect">
+            <a:avLst/>
+          </a:prstGeom>
+        </p:spPr>
+        <p:txBody>
+          <a:bodyPr vert="horz" lIns="91440" tIns="45720" rIns="91440" bIns="45720" rtlCol="0" anchor="b"/>
+          <a:lstStyle>
+            <a:lvl1pPr algn="r">
+              <a:defRPr sz="1200"/>
+            </a:lvl1pPr>
+          </a:lstStyle>
+          <a:p>
+            <a:fld id="{87FB87D8-F8A5-384E-B49C-216B587EDED6}" type="slidenum">
+              <a:rPr lang="en-US" smtClean="0"/>
+              <a:t>‹#›</a:t>
+            </a:fld>
+            <a:endParaRPr lang="en-US"/>
+          </a:p>
+        </p:txBody>
+      </p:sp>
+    </p:spTree>
+    <p:extLst>
+      <p:ext uri="{BB962C8B-B14F-4D97-AF65-F5344CB8AC3E}">
+        <p14:creationId xmlns:p14="http://schemas.microsoft.com/office/powerpoint/2010/main" val="1906033451"/>
+      </p:ext>
+    </p:extLst>
+  </p:cSld>
+  <p:clrMap bg1="lt1" tx1="dk1" bg2="lt2" tx2="dk2" accent1="accent1" accent2="accent2" accent3="accent3" accent4="accent4" accent5="accent5" accent6="accent6" hlink="hlink" folHlink="folHlink"/>
+  <p:hf hdr="0" ftr="0" dt="0"/>
+  <p:notesStyle>
+    <a:lvl1pPr marL="0" algn="l" defTabSz="457200" rtl="0" eaLnBrk="1" latinLnBrk="0" hangingPunct="1">
+      <a:defRPr sz="1200" kern="1200">
+        <a:solidFill>
+          <a:schemeClr val="tx1"/>
+        </a:solidFill>
+        <a:latin typeface="+mn-lt"/>
+        <a:ea typeface="+mn-ea"/>
+        <a:cs typeface="+mn-cs"/>
+      </a:defRPr>
+    </a:lvl1pPr>
+    <a:lvl2pPr marL="457200" algn="l" defTabSz="457200" rtl="0" eaLnBrk="1" latinLnBrk="0" hangingPunct="1">
+      <a:defRPr sz="1200" kern="1200">
+        <a:solidFill>
+          <a:schemeClr val="tx1"/>
+        </a:solidFill>
+        <a:latin typeface="+mn-lt"/>
+        <a:ea typeface="+mn-ea"/>
+        <a:cs typeface="+mn-cs"/>
+      </a:defRPr>
+    </a:lvl2pPr>
+    <a:lvl3pPr marL="914400" algn="l" defTabSz="457200" rtl="0" eaLnBrk="1" latinLnBrk="0" hangingPunct="1">
+      <a:defRPr sz="1200" kern="1200">
+        <a:solidFill>
+          <a:schemeClr val="tx1"/>
+        </a:solidFill>
+        <a:latin typeface="+mn-lt"/>
+        <a:ea typeface="+mn-ea"/>
+        <a:cs typeface="+mn-cs"/>
+      </a:defRPr>
+    </a:lvl3pPr>
+    <a:lvl4pPr marL="1371600" algn="l" defTabSz="457200" rtl="0" eaLnBrk="1" latinLnBrk="0" hangingPunct="1">
+      <a:defRPr sz="1200" kern="1200">
+        <a:solidFill>
+          <a:schemeClr val="tx1"/>
+        </a:solidFill>
+        <a:latin typeface="+mn-lt"/>
+        <a:ea typeface="+mn-ea"/>
+        <a:cs typeface="+mn-cs"/>
+      </a:defRPr>
+    </a:lvl4pPr>
+    <a:lvl5pPr marL="1828800" algn="l" defTabSz="457200" rtl="0" eaLnBrk="1" latinLnBrk="0" hangingPunct="1">
+      <a:defRPr sz="1200" kern="1200">
+        <a:solidFill>
+          <a:schemeClr val="tx1"/>
+        </a:solidFill>
+        <a:latin typeface="+mn-lt"/>
+        <a:ea typeface="+mn-ea"/>
+        <a:cs typeface="+mn-cs"/>
+      </a:defRPr>
+    </a:lvl5pPr>
+    <a:lvl6pPr marL="2286000" algn="l" defTabSz="457200" rtl="0" eaLnBrk="1" latinLnBrk="0" hangingPunct="1">
+      <a:defRPr sz="1200" kern="1200">
+        <a:solidFill>
+          <a:schemeClr val="tx1"/>
+        </a:solidFill>
+        <a:latin typeface="+mn-lt"/>
+        <a:ea typeface="+mn-ea"/>
+        <a:cs typeface="+mn-cs"/>
+      </a:defRPr>
+    </a:lvl6pPr>
+    <a:lvl7pPr marL="2743200" algn="l" defTabSz="457200" rtl="0" eaLnBrk="1" latinLnBrk="0" hangingPunct="1">
+      <a:defRPr sz="1200" kern="1200">
+        <a:solidFill>
+          <a:schemeClr val="tx1"/>
+        </a:solidFill>
+        <a:latin typeface="+mn-lt"/>
+        <a:ea typeface="+mn-ea"/>
+        <a:cs typeface="+mn-cs"/>
+      </a:defRPr>
+    </a:lvl7pPr>
+    <a:lvl8pPr marL="3200400" algn="l" defTabSz="457200" rtl="0" eaLnBrk="1" latinLnBrk="0" hangingPunct="1">
+      <a:defRPr sz="1200" kern="1200">
+        <a:solidFill>
+          <a:schemeClr val="tx1"/>
+        </a:solidFill>
+        <a:latin typeface="+mn-lt"/>
+        <a:ea typeface="+mn-ea"/>
+        <a:cs typeface="+mn-cs"/>
+      </a:defRPr>
+    </a:lvl8pPr>
+    <a:lvl9pPr marL="3657600" algn="l" defTabSz="457200" rtl="0" eaLnBrk="1" latinLnBrk="0" hangingPunct="1">
+      <a:defRPr sz="1200" kern="1200">
+        <a:solidFill>
+          <a:schemeClr val="tx1"/>
+        </a:solidFill>
+        <a:latin typeface="+mn-lt"/>
+        <a:ea typeface="+mn-ea"/>
+        <a:cs typeface="+mn-cs"/>
+      </a:defRPr>
+    </a:lvl9pPr>
+  </p:notesStyle>
+</p:notesMaster>
+</file>
+
 <file path=ppt/slideLayouts/slideLayout1.xml><?xml version="1.0" encoding="utf-8"?>
 <p:sldLayout xmlns:a="http://schemas.openxmlformats.org/drawingml/2006/main" xmlns:r="http://schemas.openxmlformats.org/officeDocument/2006/relationships" xmlns:p="http://schemas.openxmlformats.org/presentationml/2006/main" type="title" preserve="1">
   <p:cSld name="Title Slide">
@@ -290,9 +816,9 @@
           <a:bodyPr/>
           <a:lstStyle/>
           <a:p>
-            <a:fld id="{52FED24D-F77E-E543-BE96-A26D29154445}" type="datetimeFigureOut">
-              <a:rPr lang="en-US" smtClean="0"/>
-              <a:t>10/12/15</a:t>
+            <a:fld id="{2A7577AC-5E3F-4E41-BD92-BC3C28670BEA}" type="datetime1">
+              <a:rPr lang="en-US" smtClean="0"/>
+              <a:t>10/18/15</a:t>
             </a:fld>
             <a:endParaRPr lang="en-US"/>
           </a:p>
@@ -460,9 +986,9 @@
           <a:bodyPr/>
           <a:lstStyle/>
           <a:p>
-            <a:fld id="{52FED24D-F77E-E543-BE96-A26D29154445}" type="datetimeFigureOut">
-              <a:rPr lang="en-US" smtClean="0"/>
-              <a:t>10/12/15</a:t>
+            <a:fld id="{C12C0646-39D9-FC46-8FD1-99FB79C819C1}" type="datetime1">
+              <a:rPr lang="en-US" smtClean="0"/>
+              <a:t>10/18/15</a:t>
             </a:fld>
             <a:endParaRPr lang="en-US"/>
           </a:p>
@@ -640,9 +1166,9 @@
           <a:bodyPr/>
           <a:lstStyle/>
           <a:p>
-            <a:fld id="{52FED24D-F77E-E543-BE96-A26D29154445}" type="datetimeFigureOut">
-              <a:rPr lang="en-US" smtClean="0"/>
-              <a:t>10/12/15</a:t>
+            <a:fld id="{63D960DB-1D0A-2541-8D6A-FC8C7F34E559}" type="datetime1">
+              <a:rPr lang="en-US" smtClean="0"/>
+              <a:t>10/18/15</a:t>
             </a:fld>
             <a:endParaRPr lang="en-US"/>
           </a:p>
@@ -810,9 +1336,9 @@
           <a:bodyPr/>
           <a:lstStyle/>
           <a:p>
-            <a:fld id="{52FED24D-F77E-E543-BE96-A26D29154445}" type="datetimeFigureOut">
-              <a:rPr lang="en-US" smtClean="0"/>
-              <a:t>10/12/15</a:t>
+            <a:fld id="{574A014A-2044-0A41-A49C-199A95CD3ED9}" type="datetime1">
+              <a:rPr lang="en-US" smtClean="0"/>
+              <a:t>10/18/15</a:t>
             </a:fld>
             <a:endParaRPr lang="en-US"/>
           </a:p>
@@ -1056,9 +1582,9 @@
           <a:bodyPr/>
           <a:lstStyle/>
           <a:p>
-            <a:fld id="{52FED24D-F77E-E543-BE96-A26D29154445}" type="datetimeFigureOut">
-              <a:rPr lang="en-US" smtClean="0"/>
-              <a:t>10/12/15</a:t>
+            <a:fld id="{2089264C-D2EA-3A40-9DB7-58D13A5E2B8F}" type="datetime1">
+              <a:rPr lang="en-US" smtClean="0"/>
+              <a:t>10/18/15</a:t>
             </a:fld>
             <a:endParaRPr lang="en-US"/>
           </a:p>
@@ -1344,9 +1870,9 @@
           <a:bodyPr/>
           <a:lstStyle/>
           <a:p>
-            <a:fld id="{52FED24D-F77E-E543-BE96-A26D29154445}" type="datetimeFigureOut">
-              <a:rPr lang="en-US" smtClean="0"/>
-              <a:t>10/12/15</a:t>
+            <a:fld id="{EC877B2D-7B55-0547-82E5-7317EB3BE771}" type="datetime1">
+              <a:rPr lang="en-US" smtClean="0"/>
+              <a:t>10/18/15</a:t>
             </a:fld>
             <a:endParaRPr lang="en-US"/>
           </a:p>
@@ -1766,9 +2292,9 @@
           <a:bodyPr/>
           <a:lstStyle/>
           <a:p>
-            <a:fld id="{52FED24D-F77E-E543-BE96-A26D29154445}" type="datetimeFigureOut">
-              <a:rPr lang="en-US" smtClean="0"/>
-              <a:t>10/12/15</a:t>
+            <a:fld id="{1CDCF9B6-69BF-1642-8E45-A1C8B8C6E8CD}" type="datetime1">
+              <a:rPr lang="en-US" smtClean="0"/>
+              <a:t>10/18/15</a:t>
             </a:fld>
             <a:endParaRPr lang="en-US"/>
           </a:p>
@@ -1884,9 +2410,9 @@
           <a:bodyPr/>
           <a:lstStyle/>
           <a:p>
-            <a:fld id="{52FED24D-F77E-E543-BE96-A26D29154445}" type="datetimeFigureOut">
-              <a:rPr lang="en-US" smtClean="0"/>
-              <a:t>10/12/15</a:t>
+            <a:fld id="{F9C20362-9A23-6048-9B66-A726F93249C2}" type="datetime1">
+              <a:rPr lang="en-US" smtClean="0"/>
+              <a:t>10/18/15</a:t>
             </a:fld>
             <a:endParaRPr lang="en-US"/>
           </a:p>
@@ -1979,9 +2505,9 @@
           <a:bodyPr/>
           <a:lstStyle/>
           <a:p>
-            <a:fld id="{52FED24D-F77E-E543-BE96-A26D29154445}" type="datetimeFigureOut">
-              <a:rPr lang="en-US" smtClean="0"/>
-              <a:t>10/12/15</a:t>
+            <a:fld id="{46A181D5-310E-AF4E-AD3A-4FE2B3F4A96A}" type="datetime1">
+              <a:rPr lang="en-US" smtClean="0"/>
+              <a:t>10/18/15</a:t>
             </a:fld>
             <a:endParaRPr lang="en-US"/>
           </a:p>
@@ -2256,9 +2782,9 @@
           <a:bodyPr/>
           <a:lstStyle/>
           <a:p>
-            <a:fld id="{52FED24D-F77E-E543-BE96-A26D29154445}" type="datetimeFigureOut">
-              <a:rPr lang="en-US" smtClean="0"/>
-              <a:t>10/12/15</a:t>
+            <a:fld id="{F680ECBD-09B5-FE4D-944E-D6A6700AE7FA}" type="datetime1">
+              <a:rPr lang="en-US" smtClean="0"/>
+              <a:t>10/18/15</a:t>
             </a:fld>
             <a:endParaRPr lang="en-US"/>
           </a:p>
@@ -2509,9 +3035,9 @@
           <a:bodyPr/>
           <a:lstStyle/>
           <a:p>
-            <a:fld id="{52FED24D-F77E-E543-BE96-A26D29154445}" type="datetimeFigureOut">
-              <a:rPr lang="en-US" smtClean="0"/>
-              <a:t>10/12/15</a:t>
+            <a:fld id="{A9F97C3C-1F0D-A04B-8109-752660B96267}" type="datetime1">
+              <a:rPr lang="en-US" smtClean="0"/>
+              <a:t>10/18/15</a:t>
             </a:fld>
             <a:endParaRPr lang="en-US"/>
           </a:p>
@@ -2722,9 +3248,9 @@
             </a:lvl1pPr>
           </a:lstStyle>
           <a:p>
-            <a:fld id="{52FED24D-F77E-E543-BE96-A26D29154445}" type="datetimeFigureOut">
-              <a:rPr lang="en-US" smtClean="0"/>
-              <a:t>10/12/15</a:t>
+            <a:fld id="{CA25C9DF-0B37-2446-A74A-511DD8A32890}" type="datetime1">
+              <a:rPr lang="en-US" smtClean="0"/>
+              <a:t>10/18/15</a:t>
             </a:fld>
             <a:endParaRPr lang="en-US"/>
           </a:p>
@@ -2763,7 +3289,7 @@
             </a:lvl1pPr>
           </a:lstStyle>
           <a:p>
-            <a:endParaRPr lang="en-US"/>
+            <a:endParaRPr lang="en-US" dirty="0"/>
           </a:p>
         </p:txBody>
       </p:sp>
@@ -2804,7 +3330,7 @@
               <a:rPr lang="en-US" smtClean="0"/>
               <a:t>‹#›</a:t>
             </a:fld>
-            <a:endParaRPr lang="en-US"/>
+            <a:endParaRPr lang="en-US" dirty="0"/>
           </a:p>
         </p:txBody>
       </p:sp>
@@ -2829,6 +3355,7 @@
     <p:sldLayoutId id="2147483658" r:id="rId10"/>
     <p:sldLayoutId id="2147483659" r:id="rId11"/>
   </p:sldLayoutIdLst>
+  <p:hf hdr="0" ftr="0" dt="0"/>
   <p:txStyles>
     <p:titleStyle>
       <a:lvl1pPr algn="ctr" defTabSz="457200" rtl="0" eaLnBrk="1" latinLnBrk="0" hangingPunct="1">
@@ -3111,121 +3638,225 @@
         </p:nvSpPr>
         <p:spPr/>
         <p:txBody>
+          <a:bodyPr>
+            <a:normAutofit/>
+          </a:bodyPr>
+          <a:lstStyle/>
+          <a:p>
+            <a:r>
+              <a:rPr lang="en-US" dirty="0" smtClean="0"/>
+              <a:t>SIRIUS-related SSIO questions</a:t>
+            </a:r>
+            <a:endParaRPr lang="en-US" dirty="0"/>
+          </a:p>
+        </p:txBody>
+      </p:sp>
+      <p:sp>
+        <p:nvSpPr>
+          <p:cNvPr id="3" name="Content Placeholder 2"/>
+          <p:cNvSpPr>
+            <a:spLocks noGrp="1"/>
+          </p:cNvSpPr>
+          <p:nvPr>
+            <p:ph idx="1"/>
+          </p:nvPr>
+        </p:nvSpPr>
+        <p:spPr/>
+        <p:txBody>
+          <a:bodyPr>
+            <a:normAutofit fontScale="70000" lnSpcReduction="20000"/>
+          </a:bodyPr>
+          <a:lstStyle/>
+          <a:p>
+            <a:r>
+              <a:rPr lang="en-US" b="1" dirty="0" smtClean="0"/>
+              <a:t>Data semantics</a:t>
+            </a:r>
+          </a:p>
+          <a:p>
+            <a:pPr lvl="1"/>
+            <a:r>
+              <a:rPr lang="en-US" b="1" dirty="0" smtClean="0"/>
+              <a:t>Mechanisms to let storage and I/O understand data</a:t>
+            </a:r>
+          </a:p>
+          <a:p>
+            <a:pPr lvl="2"/>
+            <a:r>
+              <a:rPr lang="en-US" dirty="0" smtClean="0"/>
+              <a:t>Can’t store everything and need to prioritize data that are more important.</a:t>
+            </a:r>
+          </a:p>
+          <a:p>
+            <a:r>
+              <a:rPr lang="en-US" b="1" dirty="0" err="1" smtClean="0"/>
+              <a:t>QoS</a:t>
+            </a:r>
+            <a:endParaRPr lang="en-US" b="1" dirty="0" smtClean="0"/>
+          </a:p>
+          <a:p>
+            <a:pPr lvl="1"/>
+            <a:r>
+              <a:rPr lang="en-US" b="1" dirty="0" smtClean="0"/>
+              <a:t>No guarantees: performance, capacity</a:t>
+            </a:r>
+          </a:p>
+          <a:p>
+            <a:pPr lvl="2"/>
+            <a:r>
+              <a:rPr lang="en-US" dirty="0"/>
+              <a:t>Differentiated storage </a:t>
+            </a:r>
+            <a:r>
+              <a:rPr lang="en-US" dirty="0" smtClean="0"/>
+              <a:t>services, SOSP’11</a:t>
+            </a:r>
+          </a:p>
+          <a:p>
+            <a:pPr marL="914400" lvl="2" indent="0">
+              <a:buNone/>
+            </a:pPr>
+            <a:r>
+              <a:rPr lang="en-US" dirty="0" smtClean="0"/>
+              <a:t>“an </a:t>
+            </a:r>
+            <a:r>
+              <a:rPr lang="en-US" dirty="0"/>
+              <a:t>I/O classification architecture to close </a:t>
+            </a:r>
+            <a:r>
+              <a:rPr lang="en-US" dirty="0" smtClean="0"/>
+              <a:t>the widening </a:t>
+            </a:r>
+            <a:r>
+              <a:rPr lang="en-US" dirty="0"/>
+              <a:t>semantic gap between computer systems and </a:t>
+            </a:r>
+            <a:r>
+              <a:rPr lang="en-US" dirty="0" smtClean="0"/>
+              <a:t>storage systems</a:t>
+            </a:r>
+            <a:r>
+              <a:rPr lang="en-US" dirty="0"/>
+              <a:t>. By classifying I/O, a computer system </a:t>
+            </a:r>
+            <a:r>
+              <a:rPr lang="en-US" dirty="0" smtClean="0"/>
+              <a:t>can request </a:t>
+            </a:r>
+            <a:r>
+              <a:rPr lang="en-US" dirty="0"/>
+              <a:t>that different classes of data be handled with </a:t>
+            </a:r>
+            <a:r>
+              <a:rPr lang="en-US" dirty="0" smtClean="0"/>
+              <a:t>different storage </a:t>
+            </a:r>
+            <a:r>
+              <a:rPr lang="en-US" dirty="0"/>
+              <a:t>system policies</a:t>
+            </a:r>
+            <a:r>
+              <a:rPr lang="en-US" dirty="0" smtClean="0"/>
+              <a:t>.”</a:t>
+            </a:r>
+          </a:p>
+          <a:p>
+            <a:pPr lvl="1"/>
+            <a:r>
+              <a:rPr lang="en-US" b="1" dirty="0" smtClean="0"/>
+              <a:t>No user </a:t>
+            </a:r>
+            <a:r>
+              <a:rPr lang="en-US" b="1" dirty="0" smtClean="0"/>
+              <a:t>policies</a:t>
+            </a:r>
+            <a:endParaRPr lang="en-US" dirty="0" smtClean="0"/>
+          </a:p>
+          <a:p>
+            <a:r>
+              <a:rPr lang="en-US" b="1" dirty="0" smtClean="0"/>
+              <a:t>Storage stack is too complex</a:t>
+            </a:r>
+          </a:p>
+          <a:p>
+            <a:pPr lvl="1"/>
+            <a:r>
+              <a:rPr lang="en-US" b="1" dirty="0" smtClean="0"/>
+              <a:t>Applications-&gt;middleware-&gt;burst buffer-&gt;PFS</a:t>
+            </a:r>
+          </a:p>
+          <a:p>
+            <a:pPr lvl="1"/>
+            <a:r>
+              <a:rPr lang="en-US" b="1" dirty="0" smtClean="0"/>
+              <a:t>No easy way to manipulate the I/O behavior of each layer in the I/O path</a:t>
+            </a:r>
+          </a:p>
+          <a:p>
+            <a:pPr lvl="2"/>
+            <a:r>
+              <a:rPr lang="en-US" dirty="0" err="1" smtClean="0"/>
+              <a:t>IOFlow</a:t>
+            </a:r>
+            <a:r>
+              <a:rPr lang="en-US" dirty="0"/>
+              <a:t> </a:t>
+            </a:r>
+            <a:r>
+              <a:rPr lang="en-US" dirty="0" smtClean="0"/>
+              <a:t>paper in SOSP’13</a:t>
+            </a:r>
+          </a:p>
+          <a:p>
+            <a:pPr lvl="1"/>
+            <a:endParaRPr lang="en-US" dirty="0" smtClean="0"/>
+          </a:p>
+          <a:p>
+            <a:endParaRPr lang="en-US" dirty="0" smtClean="0"/>
+          </a:p>
+        </p:txBody>
+      </p:sp>
+      <p:sp>
+        <p:nvSpPr>
+          <p:cNvPr id="4" name="Slide Number Placeholder 3"/>
+          <p:cNvSpPr>
+            <a:spLocks noGrp="1"/>
+          </p:cNvSpPr>
+          <p:nvPr>
+            <p:ph type="sldNum" sz="quarter" idx="12"/>
+          </p:nvPr>
+        </p:nvSpPr>
+        <p:spPr/>
+        <p:txBody>
           <a:bodyPr/>
           <a:lstStyle/>
           <a:p>
-            <a:r>
-              <a:rPr lang="en-US" dirty="0" smtClean="0"/>
-              <a:t>SIRIUS Data Descriptions</a:t>
-            </a:r>
-            <a:endParaRPr lang="en-US" dirty="0"/>
-          </a:p>
-        </p:txBody>
-      </p:sp>
-      <p:sp>
-        <p:nvSpPr>
-          <p:cNvPr id="3" name="Content Placeholder 2"/>
-          <p:cNvSpPr>
-            <a:spLocks noGrp="1"/>
-          </p:cNvSpPr>
-          <p:nvPr>
-            <p:ph idx="1"/>
-          </p:nvPr>
-        </p:nvSpPr>
-        <p:spPr/>
-        <p:txBody>
-          <a:bodyPr>
-            <a:normAutofit fontScale="85000" lnSpcReduction="20000"/>
-          </a:bodyPr>
-          <a:lstStyle/>
-          <a:p>
-            <a:r>
-              <a:rPr lang="en-US" dirty="0" smtClean="0"/>
-              <a:t>A key research question to address in SIRIUS: </a:t>
-            </a:r>
-            <a:r>
-              <a:rPr lang="en-US" b="1" dirty="0" smtClean="0"/>
-              <a:t>How do we describe data generated from applications? </a:t>
-            </a:r>
-          </a:p>
-          <a:p>
-            <a:pPr lvl="1"/>
-            <a:r>
-              <a:rPr lang="en-US" i="1" dirty="0" smtClean="0"/>
-              <a:t>To capture application knowledge and communicate them to middleware/storage</a:t>
-            </a:r>
-          </a:p>
-          <a:p>
-            <a:pPr lvl="2"/>
-            <a:r>
-              <a:rPr lang="en-US" b="1" i="1" dirty="0" smtClean="0"/>
-              <a:t>Data utility</a:t>
-            </a:r>
-          </a:p>
-          <a:p>
-            <a:pPr lvl="2"/>
-            <a:r>
-              <a:rPr lang="en-US" b="1" i="1" dirty="0" smtClean="0"/>
-              <a:t>Relationships between datasets</a:t>
-            </a:r>
-          </a:p>
-          <a:p>
-            <a:pPr lvl="2"/>
-            <a:r>
-              <a:rPr lang="en-US" i="1" dirty="0" smtClean="0"/>
-              <a:t>Semantics</a:t>
-            </a:r>
-          </a:p>
-          <a:p>
-            <a:pPr lvl="1"/>
-            <a:r>
-              <a:rPr lang="en-US" i="1" dirty="0" smtClean="0"/>
-              <a:t>To specify user requirements</a:t>
-            </a:r>
-          </a:p>
-          <a:p>
-            <a:pPr lvl="2"/>
-            <a:r>
-              <a:rPr lang="en-US" i="1" dirty="0" err="1" smtClean="0"/>
-              <a:t>QoS</a:t>
-            </a:r>
-            <a:endParaRPr lang="en-US" i="1" dirty="0" smtClean="0"/>
-          </a:p>
-          <a:p>
-            <a:pPr lvl="2"/>
-            <a:r>
-              <a:rPr lang="en-US" i="1" dirty="0" smtClean="0"/>
-              <a:t>Policy</a:t>
-            </a:r>
-          </a:p>
-          <a:p>
-            <a:pPr lvl="1"/>
-            <a:r>
-              <a:rPr lang="en-US" i="1" dirty="0" smtClean="0"/>
-              <a:t>To bridge the semantics gap between various layers in the </a:t>
-            </a:r>
-            <a:r>
-              <a:rPr lang="en-US" b="1" i="1" dirty="0" smtClean="0"/>
-              <a:t>I/O path</a:t>
-            </a:r>
-            <a:r>
-              <a:rPr lang="en-US" i="1" dirty="0" smtClean="0"/>
-              <a:t> to storage so that performance optimizations can be done from various components. </a:t>
-            </a:r>
-            <a:endParaRPr lang="en-US" i="1" dirty="0"/>
+            <a:fld id="{1336951F-5EE9-0146-B333-95A04DB13D7E}" type="slidenum">
+              <a:rPr lang="en-US" smtClean="0"/>
+              <a:t>1</a:t>
+            </a:fld>
+            <a:endParaRPr lang="en-US"/>
           </a:p>
         </p:txBody>
       </p:sp>
     </p:spTree>
     <p:extLst>
       <p:ext uri="{BB962C8B-B14F-4D97-AF65-F5344CB8AC3E}">
-        <p14:creationId xmlns:p14="http://schemas.microsoft.com/office/powerpoint/2010/main" val="1843497967"/>
+        <p14:creationId xmlns:p14="http://schemas.microsoft.com/office/powerpoint/2010/main" val="1298342590"/>
       </p:ext>
     </p:extLst>
   </p:cSld>
   <p:clrMapOvr>
     <a:masterClrMapping/>
   </p:clrMapOvr>
+  <p:timing>
+    <p:tnLst>
+      <p:par>
+        <p:cTn xmlns:p14="http://schemas.microsoft.com/office/powerpoint/2010/main" id="1" dur="indefinite" restart="never" nodeType="tmRoot"/>
+      </p:par>
+    </p:tnLst>
+  </p:timing>
 </p:sld>
 </file>
 
@@ -3263,7 +3894,7 @@
           <a:p>
             <a:r>
               <a:rPr lang="en-US" dirty="0" smtClean="0"/>
-              <a:t>SIRIUS Data Descriptions</a:t>
+              <a:t>SIRIUS Application Drivers</a:t>
             </a:r>
             <a:endParaRPr lang="en-US" dirty="0"/>
           </a:p>
@@ -3282,73 +3913,75 @@
         <p:spPr/>
         <p:txBody>
           <a:bodyPr>
-            <a:normAutofit fontScale="92500" lnSpcReduction="20000"/>
+            <a:normAutofit lnSpcReduction="10000"/>
           </a:bodyPr>
           <a:lstStyle/>
           <a:p>
             <a:r>
-              <a:rPr lang="en-US" dirty="0" smtClean="0"/>
-              <a:t>Application drivers</a:t>
-            </a:r>
-          </a:p>
-          <a:p>
-            <a:pPr lvl="1"/>
-            <a:r>
               <a:rPr lang="en-US" i="1" dirty="0" smtClean="0"/>
-              <a:t>XGC1 large data volume</a:t>
+              <a:t>XGC1 large data volume </a:t>
+            </a:r>
+            <a:r>
+              <a:rPr lang="en-US" i="1" dirty="0" smtClean="0"/>
+              <a:t>in the </a:t>
+            </a:r>
+            <a:r>
+              <a:rPr lang="en-US" i="1" dirty="0" smtClean="0"/>
+              <a:t>ITER-size </a:t>
+            </a:r>
+            <a:r>
+              <a:rPr lang="en-US" i="1" dirty="0" smtClean="0"/>
+              <a:t>run</a:t>
             </a:r>
           </a:p>
           <a:p>
             <a:pPr lvl="2"/>
             <a:r>
               <a:rPr lang="en-US" i="1" dirty="0" smtClean="0"/>
-              <a:t>Not all data can be stored</a:t>
+              <a:t>Involving a large number of </a:t>
+            </a:r>
+            <a:r>
+              <a:rPr lang="en-US" i="1" dirty="0" smtClean="0"/>
+              <a:t>particles (1PB per day for analysis output)</a:t>
+            </a:r>
+            <a:endParaRPr lang="en-US" i="1" dirty="0" smtClean="0"/>
+          </a:p>
+          <a:p>
+            <a:pPr lvl="2"/>
+            <a:r>
+              <a:rPr lang="en-US" i="1" dirty="0" smtClean="0"/>
+              <a:t>How to reduce data?</a:t>
+            </a:r>
+          </a:p>
+          <a:p>
+            <a:pPr lvl="2"/>
+            <a:r>
+              <a:rPr lang="en-US" i="1" dirty="0" smtClean="0"/>
+              <a:t>How to prioritize data that more important?</a:t>
             </a:r>
           </a:p>
           <a:p>
             <a:pPr lvl="3"/>
             <a:r>
               <a:rPr lang="en-US" i="1" dirty="0" smtClean="0"/>
-              <a:t>Too many particles for an ITER-size run</a:t>
+              <a:t>E.g., Particles at high velocity space are more important than others</a:t>
             </a:r>
           </a:p>
           <a:p>
             <a:pPr lvl="3"/>
             <a:r>
               <a:rPr lang="en-US" i="1" dirty="0" smtClean="0"/>
-              <a:t>How to reduce and prioritize data that more important to simulations</a:t>
-            </a:r>
-          </a:p>
-          <a:p>
-            <a:pPr lvl="4"/>
-            <a:r>
-              <a:rPr lang="en-US" i="1" dirty="0" smtClean="0"/>
-              <a:t>Random selection vs. utilizing particle distribution f0</a:t>
-            </a:r>
-          </a:p>
-          <a:p>
-            <a:pPr lvl="1"/>
-            <a:r>
-              <a:rPr lang="en-US" i="1" dirty="0" smtClean="0"/>
-              <a:t>XGC1 blob detection</a:t>
-            </a:r>
-          </a:p>
-          <a:p>
-            <a:pPr lvl="2"/>
-            <a:r>
-              <a:rPr lang="en-US" i="1" dirty="0" smtClean="0"/>
-              <a:t>Regions with higher energy (i.e., blobs) are of higher interest to users</a:t>
-            </a:r>
-          </a:p>
-          <a:p>
-            <a:pPr lvl="1"/>
+              <a:t>Blobs</a:t>
+            </a:r>
+          </a:p>
+          <a:p>
             <a:r>
               <a:rPr lang="en-US" i="1" dirty="0" smtClean="0"/>
               <a:t>GTC-P wave tracking</a:t>
             </a:r>
           </a:p>
           <a:p>
-            <a:pPr lvl="2"/>
+            <a:pPr lvl="1"/>
             <a:r>
               <a:rPr lang="en-US" i="1" dirty="0" smtClean="0"/>
               <a:t>Waves can developed in a </a:t>
@@ -3362,6 +3995,29 @@
               <a:t> and needs to be tracked and studied.</a:t>
             </a:r>
             <a:endParaRPr lang="en-US" i="1" dirty="0"/>
+          </a:p>
+        </p:txBody>
+      </p:sp>
+      <p:sp>
+        <p:nvSpPr>
+          <p:cNvPr id="4" name="Slide Number Placeholder 3"/>
+          <p:cNvSpPr>
+            <a:spLocks noGrp="1"/>
+          </p:cNvSpPr>
+          <p:nvPr>
+            <p:ph type="sldNum" sz="quarter" idx="12"/>
+          </p:nvPr>
+        </p:nvSpPr>
+        <p:spPr/>
+        <p:txBody>
+          <a:bodyPr/>
+          <a:lstStyle/>
+          <a:p>
+            <a:fld id="{1336951F-5EE9-0146-B333-95A04DB13D7E}" type="slidenum">
+              <a:rPr lang="en-US" smtClean="0"/>
+              <a:t>2</a:t>
+            </a:fld>
+            <a:endParaRPr lang="en-US"/>
           </a:p>
         </p:txBody>
       </p:sp>
@@ -3414,19 +4070,17 @@
         </p:nvSpPr>
         <p:spPr>
           <a:xfrm>
-            <a:off x="457200" y="-104442"/>
+            <a:off x="457200" y="58738"/>
             <a:ext cx="8229600" cy="1143000"/>
           </a:xfrm>
         </p:spPr>
         <p:txBody>
-          <a:bodyPr>
-            <a:normAutofit/>
-          </a:bodyPr>
+          <a:bodyPr/>
           <a:lstStyle/>
           <a:p>
             <a:r>
               <a:rPr lang="en-US" dirty="0" smtClean="0"/>
-              <a:t>(Conceptual) SIRIUS APIs</a:t>
+              <a:t>Data Descriptions</a:t>
             </a:r>
             <a:endParaRPr lang="en-US" dirty="0"/>
           </a:p>
@@ -3444,498 +4098,124 @@
         </p:nvSpPr>
         <p:spPr>
           <a:xfrm>
-            <a:off x="457199" y="852968"/>
-            <a:ext cx="8553781" cy="5553688"/>
+            <a:off x="457200" y="990600"/>
+            <a:ext cx="8229600" cy="5135563"/>
           </a:xfrm>
         </p:spPr>
         <p:txBody>
           <a:bodyPr>
-            <a:noAutofit/>
+            <a:normAutofit fontScale="92500"/>
           </a:bodyPr>
           <a:lstStyle/>
           <a:p>
             <a:r>
-              <a:rPr lang="en-US" sz="2000" i="1" dirty="0" err="1" smtClean="0"/>
-              <a:t>sirius_init</a:t>
-            </a:r>
-            <a:r>
-              <a:rPr lang="en-US" sz="2000" dirty="0" smtClean="0"/>
-              <a:t>(“</a:t>
-            </a:r>
-            <a:r>
-              <a:rPr lang="en-US" sz="2000" dirty="0" err="1" smtClean="0"/>
-              <a:t>config.xml</a:t>
-            </a:r>
-            <a:r>
-              <a:rPr lang="en-US" sz="2000" dirty="0" smtClean="0"/>
-              <a:t>”)</a:t>
+              <a:rPr lang="en-US" b="1" dirty="0" smtClean="0"/>
+              <a:t>How do we describe/annotate data generated from applications? </a:t>
             </a:r>
           </a:p>
           <a:p>
             <a:pPr lvl="1"/>
             <a:r>
-              <a:rPr lang="en-US" sz="1600" dirty="0" smtClean="0"/>
-              <a:t>I/O configuration: e.g., </a:t>
-            </a:r>
-            <a:r>
-              <a:rPr lang="en-US" sz="1400" dirty="0" smtClean="0"/>
-              <a:t>description of data relationships, policy, # of buckets</a:t>
-            </a:r>
-          </a:p>
-          <a:p>
-            <a:pPr marL="0" indent="0">
-              <a:buNone/>
-            </a:pPr>
-            <a:r>
-              <a:rPr lang="en-US" sz="2000" b="1" dirty="0" smtClean="0"/>
-              <a:t>&lt;relationship </a:t>
-            </a:r>
-            <a:r>
-              <a:rPr lang="en-US" sz="2000" dirty="0" smtClean="0"/>
-              <a:t>name=“r1”</a:t>
-            </a:r>
-            <a:r>
-              <a:rPr lang="en-US" sz="2000" b="1" dirty="0" smtClean="0"/>
-              <a:t> type=“access together”/&gt;</a:t>
-            </a:r>
-            <a:endParaRPr lang="en-US" sz="2000" dirty="0" smtClean="0"/>
-          </a:p>
-          <a:p>
-            <a:pPr marL="0" indent="0">
-              <a:buNone/>
-            </a:pPr>
-            <a:r>
-              <a:rPr lang="en-US" sz="2000" b="1" dirty="0" smtClean="0"/>
-              <a:t>&lt;</a:t>
-            </a:r>
-            <a:r>
-              <a:rPr lang="en-US" sz="2000" b="1" dirty="0" err="1"/>
-              <a:t>var</a:t>
-            </a:r>
-            <a:r>
-              <a:rPr lang="en-US" sz="2000" b="1" dirty="0"/>
-              <a:t> </a:t>
-            </a:r>
-            <a:r>
-              <a:rPr lang="en-US" sz="2000" dirty="0"/>
-              <a:t>name</a:t>
-            </a:r>
-            <a:r>
-              <a:rPr lang="en-US" sz="2000" dirty="0" smtClean="0"/>
-              <a:t>=“primary </a:t>
-            </a:r>
-            <a:r>
-              <a:rPr lang="en-US" sz="2000" dirty="0" err="1" smtClean="0"/>
-              <a:t>var</a:t>
-            </a:r>
-            <a:r>
-              <a:rPr lang="en-US" sz="2000" dirty="0" smtClean="0"/>
-              <a:t>”</a:t>
-            </a:r>
-            <a:r>
-              <a:rPr lang="en-US" sz="2000" b="1" dirty="0" smtClean="0"/>
-              <a:t> </a:t>
-            </a:r>
-            <a:r>
-              <a:rPr lang="en-US" sz="2000" dirty="0" err="1"/>
-              <a:t>gwrite</a:t>
-            </a:r>
-            <a:r>
-              <a:rPr lang="en-US" sz="2000" dirty="0" smtClean="0"/>
-              <a:t>=“p”</a:t>
-            </a:r>
-            <a:r>
-              <a:rPr lang="en-US" sz="2000" b="1" dirty="0" smtClean="0"/>
-              <a:t> </a:t>
-            </a:r>
-            <a:r>
-              <a:rPr lang="en-US" sz="2000" dirty="0"/>
-              <a:t>type="double"</a:t>
-            </a:r>
-            <a:r>
-              <a:rPr lang="en-US" sz="2000" b="1" dirty="0"/>
-              <a:t> </a:t>
-            </a:r>
-            <a:r>
-              <a:rPr lang="en-US" sz="2000" dirty="0"/>
-              <a:t>dimensions="1,</a:t>
-            </a:r>
-            <a:r>
-              <a:rPr lang="en-US" sz="2000" dirty="0" smtClean="0"/>
-              <a:t>NX”</a:t>
-            </a:r>
-            <a:r>
-              <a:rPr lang="en-US" sz="2000" b="1" dirty="0" smtClean="0"/>
-              <a:t> </a:t>
-            </a:r>
-            <a:r>
-              <a:rPr lang="en-US" sz="2000" b="1" dirty="0" smtClean="0">
-                <a:solidFill>
-                  <a:srgbClr val="FF0000"/>
-                </a:solidFill>
-              </a:rPr>
-              <a:t>Priority</a:t>
-            </a:r>
-            <a:r>
-              <a:rPr lang="en-US" sz="2000" dirty="0" smtClean="0"/>
-              <a:t>=“1”, </a:t>
-            </a:r>
-            <a:r>
-              <a:rPr lang="en-US" sz="2000" b="1" dirty="0" smtClean="0">
-                <a:solidFill>
-                  <a:srgbClr val="FF0000"/>
-                </a:solidFill>
-              </a:rPr>
-              <a:t>relationship</a:t>
-            </a:r>
-            <a:r>
-              <a:rPr lang="en-US" sz="2000" dirty="0" smtClean="0"/>
-              <a:t>=“r1”</a:t>
-            </a:r>
-            <a:r>
-              <a:rPr lang="en-US" sz="2000" b="1" dirty="0" smtClean="0"/>
-              <a:t>/&gt;</a:t>
-            </a:r>
-          </a:p>
-          <a:p>
-            <a:pPr marL="0" indent="0">
-              <a:buNone/>
-            </a:pPr>
-            <a:r>
-              <a:rPr lang="en-US" sz="2000" b="1" dirty="0" smtClean="0"/>
-              <a:t>&lt;</a:t>
-            </a:r>
-            <a:r>
-              <a:rPr lang="en-US" sz="2000" b="1" dirty="0" err="1" smtClean="0"/>
-              <a:t>var</a:t>
-            </a:r>
-            <a:r>
-              <a:rPr lang="en-US" sz="2000" b="1" dirty="0" smtClean="0"/>
-              <a:t> </a:t>
-            </a:r>
-            <a:r>
-              <a:rPr lang="en-US" sz="2000" dirty="0" smtClean="0"/>
-              <a:t>name=“mesh”</a:t>
-            </a:r>
-            <a:r>
-              <a:rPr lang="en-US" sz="2000" b="1" dirty="0" smtClean="0"/>
-              <a:t> </a:t>
-            </a:r>
-            <a:r>
-              <a:rPr lang="en-US" sz="2000" dirty="0" err="1" smtClean="0"/>
-              <a:t>gwrite</a:t>
-            </a:r>
-            <a:r>
-              <a:rPr lang="en-US" sz="2000" dirty="0" smtClean="0"/>
-              <a:t>=“m”</a:t>
-            </a:r>
-            <a:r>
-              <a:rPr lang="en-US" sz="2000" b="1" dirty="0" smtClean="0"/>
-              <a:t> </a:t>
-            </a:r>
-            <a:r>
-              <a:rPr lang="en-US" sz="2000" dirty="0" smtClean="0"/>
-              <a:t>type="double"</a:t>
-            </a:r>
-            <a:r>
-              <a:rPr lang="en-US" sz="2000" b="1" dirty="0" smtClean="0"/>
-              <a:t> </a:t>
-            </a:r>
-            <a:r>
-              <a:rPr lang="en-US" sz="2000" dirty="0" smtClean="0"/>
-              <a:t>dimensions="1,NX”</a:t>
-            </a:r>
-            <a:r>
-              <a:rPr lang="en-US" sz="2000" b="1" dirty="0" smtClean="0"/>
-              <a:t> </a:t>
-            </a:r>
-            <a:r>
-              <a:rPr lang="en-US" sz="2000" b="1" dirty="0" smtClean="0">
-                <a:solidFill>
-                  <a:srgbClr val="FF0000"/>
-                </a:solidFill>
-              </a:rPr>
-              <a:t>Priority</a:t>
-            </a:r>
-            <a:r>
-              <a:rPr lang="en-US" sz="2000" dirty="0" smtClean="0"/>
-              <a:t>=“1”, </a:t>
-            </a:r>
-            <a:r>
-              <a:rPr lang="en-US" sz="2000" b="1" dirty="0">
-                <a:solidFill>
-                  <a:srgbClr val="FF0000"/>
-                </a:solidFill>
-              </a:rPr>
-              <a:t>r</a:t>
-            </a:r>
-            <a:r>
-              <a:rPr lang="en-US" sz="2000" b="1" dirty="0" smtClean="0">
-                <a:solidFill>
-                  <a:srgbClr val="FF0000"/>
-                </a:solidFill>
-              </a:rPr>
-              <a:t>elationship</a:t>
-            </a:r>
-            <a:r>
-              <a:rPr lang="en-US" sz="2000" dirty="0" smtClean="0"/>
-              <a:t>=“r1”</a:t>
-            </a:r>
-            <a:r>
-              <a:rPr lang="en-US" sz="2000" b="1" dirty="0" smtClean="0"/>
-              <a:t>/&gt;</a:t>
-            </a:r>
-          </a:p>
-          <a:p>
-            <a:pPr marL="0" indent="0">
-              <a:buNone/>
-            </a:pPr>
-            <a:r>
-              <a:rPr lang="en-US" sz="2000" b="1" dirty="0" smtClean="0"/>
-              <a:t>&lt;</a:t>
-            </a:r>
-            <a:r>
-              <a:rPr lang="en-US" sz="2000" b="1" dirty="0" err="1" smtClean="0"/>
-              <a:t>var</a:t>
-            </a:r>
-            <a:r>
-              <a:rPr lang="en-US" sz="2000" b="1" dirty="0" smtClean="0"/>
-              <a:t> </a:t>
-            </a:r>
-            <a:r>
-              <a:rPr lang="en-US" sz="2000" dirty="0" smtClean="0"/>
-              <a:t>name=“derived </a:t>
-            </a:r>
-            <a:r>
-              <a:rPr lang="en-US" sz="2000" dirty="0" err="1" smtClean="0"/>
-              <a:t>var</a:t>
-            </a:r>
-            <a:r>
-              <a:rPr lang="en-US" sz="2000" dirty="0" smtClean="0"/>
-              <a:t>”</a:t>
-            </a:r>
-            <a:r>
-              <a:rPr lang="en-US" sz="2000" b="1" dirty="0" smtClean="0"/>
-              <a:t> </a:t>
-            </a:r>
-            <a:r>
-              <a:rPr lang="en-US" sz="2000" dirty="0" err="1" smtClean="0"/>
-              <a:t>gwrite</a:t>
-            </a:r>
-            <a:r>
-              <a:rPr lang="en-US" sz="2000" dirty="0" smtClean="0"/>
-              <a:t>=“d"</a:t>
-            </a:r>
-            <a:r>
-              <a:rPr lang="en-US" sz="2000" b="1" dirty="0" smtClean="0"/>
-              <a:t> </a:t>
-            </a:r>
-            <a:r>
-              <a:rPr lang="en-US" sz="2000" dirty="0" smtClean="0"/>
-              <a:t>type="double"</a:t>
-            </a:r>
-            <a:r>
-              <a:rPr lang="en-US" sz="2000" b="1" dirty="0" smtClean="0"/>
-              <a:t> </a:t>
-            </a:r>
-            <a:r>
-              <a:rPr lang="en-US" sz="2000" dirty="0" smtClean="0"/>
-              <a:t>dimensions="1,NX”</a:t>
-            </a:r>
-            <a:r>
-              <a:rPr lang="en-US" sz="2000" b="1" dirty="0" smtClean="0"/>
-              <a:t> </a:t>
-            </a:r>
-            <a:r>
-              <a:rPr lang="en-US" sz="2000" b="1" dirty="0" smtClean="0">
-                <a:solidFill>
-                  <a:srgbClr val="FF0000"/>
-                </a:solidFill>
-              </a:rPr>
-              <a:t>Priority</a:t>
-            </a:r>
-            <a:r>
-              <a:rPr lang="en-US" sz="2000" dirty="0" smtClean="0"/>
-              <a:t>=“2”</a:t>
-            </a:r>
-            <a:r>
-              <a:rPr lang="en-US" sz="2000" b="1" dirty="0" smtClean="0"/>
-              <a:t>/&gt;</a:t>
-            </a:r>
-            <a:endParaRPr lang="en-US" sz="2000" dirty="0" smtClean="0"/>
-          </a:p>
-          <a:p>
-            <a:pPr marL="0" indent="0">
-              <a:buNone/>
-            </a:pPr>
-            <a:endParaRPr lang="en-US" sz="2000" dirty="0" smtClean="0"/>
-          </a:p>
-          <a:p>
-            <a:r>
-              <a:rPr lang="en-US" sz="2000" i="1" dirty="0" err="1" smtClean="0"/>
-              <a:t>sirius_open</a:t>
-            </a:r>
-            <a:r>
-              <a:rPr lang="en-US" sz="2000" dirty="0" smtClean="0"/>
-              <a:t>()</a:t>
-            </a:r>
-          </a:p>
-          <a:p>
-            <a:r>
-              <a:rPr lang="en-US" sz="2000" i="1" dirty="0" err="1" smtClean="0"/>
-              <a:t>sirius_write</a:t>
-            </a:r>
-            <a:r>
-              <a:rPr lang="en-US" sz="2000" i="1" dirty="0" smtClean="0"/>
-              <a:t>(“</a:t>
-            </a:r>
-            <a:r>
-              <a:rPr lang="en-US" sz="2000" dirty="0" smtClean="0"/>
-              <a:t>primary </a:t>
-            </a:r>
-            <a:r>
-              <a:rPr lang="en-US" sz="2000" dirty="0" err="1" smtClean="0"/>
-              <a:t>var</a:t>
-            </a:r>
-            <a:r>
-              <a:rPr lang="en-US" sz="2000" i="1" dirty="0" smtClean="0"/>
-              <a:t>”, p, </a:t>
-            </a:r>
-            <a:r>
-              <a:rPr lang="en-US" sz="2000" b="1" i="1" dirty="0" err="1" smtClean="0">
-                <a:solidFill>
-                  <a:srgbClr val="FF0000"/>
-                </a:solidFill>
-              </a:rPr>
-              <a:t>f</a:t>
-            </a:r>
-            <a:r>
-              <a:rPr lang="en-US" sz="2000" b="1" i="1" baseline="-25000" dirty="0" err="1" smtClean="0">
-                <a:solidFill>
-                  <a:srgbClr val="FF0000"/>
-                </a:solidFill>
-              </a:rPr>
-              <a:t>refactoring_p</a:t>
-            </a:r>
-            <a:r>
-              <a:rPr lang="en-US" sz="2000" i="1" dirty="0" smtClean="0"/>
-              <a:t>)</a:t>
+              <a:rPr lang="en-US" i="1" dirty="0" smtClean="0"/>
+              <a:t>To capture application knowledge and communicate them to middleware/storage</a:t>
+            </a:r>
+          </a:p>
+          <a:p>
+            <a:pPr lvl="2"/>
+            <a:r>
+              <a:rPr lang="en-US" b="1" i="1" dirty="0" smtClean="0"/>
+              <a:t>Data utility</a:t>
+            </a:r>
+          </a:p>
+          <a:p>
+            <a:pPr lvl="2"/>
+            <a:r>
+              <a:rPr lang="en-US" b="1" i="1" dirty="0" smtClean="0"/>
+              <a:t>Relationships between datasets</a:t>
+            </a:r>
+          </a:p>
+          <a:p>
+            <a:pPr lvl="2"/>
+            <a:r>
+              <a:rPr lang="en-US" i="1" dirty="0" smtClean="0"/>
+              <a:t>Semantics</a:t>
             </a:r>
           </a:p>
           <a:p>
             <a:pPr lvl="1"/>
             <a:r>
-              <a:rPr lang="en-US" sz="1600" b="1" i="1" dirty="0" err="1" smtClean="0">
-                <a:solidFill>
-                  <a:srgbClr val="FF0000"/>
-                </a:solidFill>
-              </a:rPr>
-              <a:t>f</a:t>
-            </a:r>
-            <a:r>
-              <a:rPr lang="en-US" sz="1600" b="1" i="1" baseline="-25000" dirty="0" err="1" smtClean="0">
-                <a:solidFill>
-                  <a:srgbClr val="FF0000"/>
-                </a:solidFill>
-              </a:rPr>
-              <a:t>refactoring_p</a:t>
-            </a:r>
-            <a:r>
-              <a:rPr lang="en-US" sz="1600" b="1" i="1" baseline="-25000" dirty="0" smtClean="0">
-                <a:solidFill>
-                  <a:srgbClr val="FF0000"/>
-                </a:solidFill>
-              </a:rPr>
-              <a:t> </a:t>
-            </a:r>
-            <a:r>
-              <a:rPr lang="en-US" sz="1600" b="1" i="1" dirty="0" smtClean="0">
-                <a:solidFill>
-                  <a:srgbClr val="FF0000"/>
-                </a:solidFill>
-              </a:rPr>
-              <a:t>is a callback routine supplied by a user that refactors data and assign utility value to each chunks.</a:t>
-            </a:r>
-            <a:endParaRPr lang="en-US" sz="1600" i="1" dirty="0" smtClean="0"/>
-          </a:p>
-          <a:p>
-            <a:r>
-              <a:rPr lang="en-US" sz="2000" i="1" dirty="0" err="1" smtClean="0"/>
-              <a:t>sirius_write</a:t>
-            </a:r>
-            <a:r>
-              <a:rPr lang="en-US" sz="2000" i="1" dirty="0" smtClean="0"/>
-              <a:t>(“</a:t>
-            </a:r>
-            <a:r>
-              <a:rPr lang="en-US" sz="2000" dirty="0" smtClean="0"/>
-              <a:t>derived </a:t>
-            </a:r>
-            <a:r>
-              <a:rPr lang="en-US" sz="2000" dirty="0" err="1" smtClean="0"/>
-              <a:t>var</a:t>
-            </a:r>
-            <a:r>
-              <a:rPr lang="en-US" sz="2000" i="1" dirty="0" smtClean="0"/>
-              <a:t>”, d, </a:t>
-            </a:r>
-            <a:r>
-              <a:rPr lang="en-US" sz="2000" b="1" i="1" dirty="0" err="1" smtClean="0">
-                <a:solidFill>
-                  <a:srgbClr val="FF0000"/>
-                </a:solidFill>
-              </a:rPr>
-              <a:t>f</a:t>
-            </a:r>
-            <a:r>
-              <a:rPr lang="en-US" sz="2000" b="1" i="1" baseline="-25000" dirty="0" err="1" smtClean="0">
-                <a:solidFill>
-                  <a:srgbClr val="FF0000"/>
-                </a:solidFill>
-              </a:rPr>
-              <a:t>refactoring_d</a:t>
-            </a:r>
-            <a:r>
-              <a:rPr lang="en-US" sz="2000" i="1" dirty="0" smtClean="0"/>
-              <a:t>)</a:t>
-            </a:r>
-            <a:endParaRPr lang="en-US" sz="1600" i="1" dirty="0" smtClean="0"/>
-          </a:p>
-          <a:p>
-            <a:r>
-              <a:rPr lang="en-US" sz="2000" i="1" dirty="0" err="1"/>
-              <a:t>s</a:t>
-            </a:r>
-            <a:r>
-              <a:rPr lang="en-US" sz="2000" i="1" dirty="0" err="1" smtClean="0"/>
-              <a:t>irius_close</a:t>
-            </a:r>
-            <a:r>
-              <a:rPr lang="en-US" sz="2000" dirty="0" smtClean="0"/>
-              <a:t>()</a:t>
-            </a:r>
-          </a:p>
-          <a:p>
-            <a:r>
-              <a:rPr lang="en-US" sz="2000" dirty="0" err="1"/>
-              <a:t>s</a:t>
-            </a:r>
-            <a:r>
-              <a:rPr lang="en-US" sz="2000" dirty="0" err="1" smtClean="0"/>
-              <a:t>irius_finalize</a:t>
-            </a:r>
-            <a:r>
-              <a:rPr lang="en-US" sz="2000" dirty="0" smtClean="0"/>
-              <a:t>()</a:t>
-            </a:r>
-            <a:endParaRPr lang="en-US" sz="2000" dirty="0"/>
+              <a:rPr lang="en-US" i="1" dirty="0" smtClean="0"/>
+              <a:t>To specify user requirements</a:t>
+            </a:r>
+          </a:p>
+          <a:p>
+            <a:pPr lvl="2"/>
+            <a:r>
+              <a:rPr lang="en-US" i="1" dirty="0" err="1" smtClean="0"/>
+              <a:t>QoS</a:t>
+            </a:r>
+            <a:endParaRPr lang="en-US" i="1" dirty="0" smtClean="0"/>
+          </a:p>
+          <a:p>
+            <a:pPr lvl="3"/>
+            <a:r>
+              <a:rPr lang="en-US" i="1" dirty="0" smtClean="0"/>
+              <a:t>E.g., bandwidth</a:t>
+            </a:r>
+            <a:endParaRPr lang="en-US" i="1" dirty="0" smtClean="0"/>
+          </a:p>
+          <a:p>
+            <a:pPr lvl="2"/>
+            <a:r>
+              <a:rPr lang="en-US" i="1" dirty="0" smtClean="0"/>
+              <a:t>Policy</a:t>
+            </a:r>
+          </a:p>
+          <a:p>
+            <a:pPr lvl="3"/>
+            <a:r>
+              <a:rPr lang="en-US" i="1" dirty="0" smtClean="0"/>
+              <a:t>E.g., where and how long should my data stay</a:t>
+            </a:r>
+            <a:r>
+              <a:rPr lang="en-US" i="1" dirty="0" smtClean="0"/>
+              <a:t> on a </a:t>
+            </a:r>
+            <a:r>
+              <a:rPr lang="en-US" i="1" smtClean="0"/>
+              <a:t>storage layer</a:t>
+            </a:r>
+            <a:endParaRPr lang="en-US" i="1" dirty="0"/>
+          </a:p>
+        </p:txBody>
+      </p:sp>
+      <p:sp>
+        <p:nvSpPr>
+          <p:cNvPr id="4" name="Slide Number Placeholder 3"/>
+          <p:cNvSpPr>
+            <a:spLocks noGrp="1"/>
+          </p:cNvSpPr>
+          <p:nvPr>
+            <p:ph type="sldNum" sz="quarter" idx="12"/>
+          </p:nvPr>
+        </p:nvSpPr>
+        <p:spPr/>
+        <p:txBody>
+          <a:bodyPr/>
+          <a:lstStyle/>
+          <a:p>
+            <a:fld id="{1336951F-5EE9-0146-B333-95A04DB13D7E}" type="slidenum">
+              <a:rPr lang="en-US" smtClean="0"/>
+              <a:t>3</a:t>
+            </a:fld>
+            <a:endParaRPr lang="en-US"/>
           </a:p>
         </p:txBody>
       </p:sp>
     </p:spTree>
     <p:extLst>
       <p:ext uri="{BB962C8B-B14F-4D97-AF65-F5344CB8AC3E}">
-        <p14:creationId xmlns:p14="http://schemas.microsoft.com/office/powerpoint/2010/main" val="2209576539"/>
+        <p14:creationId xmlns:p14="http://schemas.microsoft.com/office/powerpoint/2010/main" val="1843497967"/>
       </p:ext>
     </p:extLst>
   </p:cSld>
@@ -3979,108 +4259,553 @@
             <p:ph type="title"/>
           </p:nvPr>
         </p:nvSpPr>
-        <p:spPr/>
-        <p:txBody>
-          <a:bodyPr/>
-          <a:lstStyle/>
-          <a:p>
-            <a:r>
-              <a:rPr lang="en-US" dirty="0" smtClean="0"/>
-              <a:t>Data Refactoring</a:t>
-            </a:r>
-            <a:endParaRPr lang="en-US" dirty="0"/>
-          </a:p>
-        </p:txBody>
-      </p:sp>
-      <p:sp>
-        <p:nvSpPr>
-          <p:cNvPr id="3" name="Content Placeholder 2"/>
-          <p:cNvSpPr>
-            <a:spLocks noGrp="1"/>
-          </p:cNvSpPr>
-          <p:nvPr>
-            <p:ph idx="1"/>
-          </p:nvPr>
-        </p:nvSpPr>
         <p:spPr>
           <a:xfrm>
-            <a:off x="457200" y="1203616"/>
-            <a:ext cx="8229600" cy="5534734"/>
+            <a:off x="457200" y="-104442"/>
+            <a:ext cx="8229600" cy="1143000"/>
           </a:xfrm>
         </p:spPr>
         <p:txBody>
           <a:bodyPr>
-            <a:normAutofit fontScale="92500" lnSpcReduction="10000"/>
+            <a:normAutofit/>
           </a:bodyPr>
           <a:lstStyle/>
           <a:p>
             <a:r>
               <a:rPr lang="en-US" dirty="0" smtClean="0"/>
-              <a:t>Potential computer science challenges </a:t>
+              <a:t>(Conceptual) SIRIUS APIs</a:t>
+            </a:r>
+            <a:endParaRPr lang="en-US" dirty="0"/>
+          </a:p>
+        </p:txBody>
+      </p:sp>
+      <p:sp>
+        <p:nvSpPr>
+          <p:cNvPr id="3" name="Content Placeholder 2"/>
+          <p:cNvSpPr>
+            <a:spLocks noGrp="1"/>
+          </p:cNvSpPr>
+          <p:nvPr>
+            <p:ph idx="1"/>
+          </p:nvPr>
+        </p:nvSpPr>
+        <p:spPr>
+          <a:xfrm>
+            <a:off x="457199" y="852968"/>
+            <a:ext cx="8553781" cy="5553688"/>
+          </a:xfrm>
+        </p:spPr>
+        <p:txBody>
+          <a:bodyPr>
+            <a:noAutofit/>
+          </a:bodyPr>
+          <a:lstStyle/>
+          <a:p>
+            <a:r>
+              <a:rPr lang="en-US" sz="2000" b="1" i="1" dirty="0" err="1" smtClean="0"/>
+              <a:t>sirius_init</a:t>
+            </a:r>
+            <a:r>
+              <a:rPr lang="en-US" sz="2000" dirty="0" smtClean="0"/>
+              <a:t>(“</a:t>
+            </a:r>
+            <a:r>
+              <a:rPr lang="en-US" sz="2000" dirty="0" err="1" smtClean="0"/>
+              <a:t>config.xml</a:t>
+            </a:r>
+            <a:r>
+              <a:rPr lang="en-US" sz="2000" dirty="0" smtClean="0"/>
+              <a:t>”)</a:t>
             </a:r>
           </a:p>
           <a:p>
             <a:pPr lvl="1"/>
             <a:r>
-              <a:rPr lang="en-US" dirty="0" smtClean="0"/>
-              <a:t>To understand the cost associated with refactoring data, e.g., the CPU cycles, extra memory consumed, and communication.</a:t>
-            </a:r>
-          </a:p>
-          <a:p>
-            <a:pPr lvl="2"/>
-            <a:r>
-              <a:rPr lang="en-US" dirty="0" smtClean="0"/>
-              <a:t>For an auditor-like approach</a:t>
-            </a:r>
-          </a:p>
-          <a:p>
-            <a:pPr lvl="3"/>
-            <a:r>
-              <a:rPr lang="en-US" dirty="0" smtClean="0"/>
-              <a:t>Where should the auditor run, taking advantage of locality as much as possible? </a:t>
-            </a:r>
-          </a:p>
-          <a:p>
-            <a:pPr lvl="3"/>
-            <a:r>
-              <a:rPr lang="en-US" dirty="0" smtClean="0"/>
-              <a:t>How much resources to allocate?</a:t>
-            </a:r>
-          </a:p>
-          <a:p>
-            <a:pPr lvl="3"/>
-            <a:r>
-              <a:rPr lang="en-US" dirty="0" smtClean="0"/>
-              <a:t>How will the auditor and the application communicate?</a:t>
-            </a:r>
-          </a:p>
-          <a:p>
-            <a:pPr lvl="3"/>
-            <a:r>
-              <a:rPr lang="en-US" dirty="0" smtClean="0"/>
-              <a:t>Most importantly, how do we take both error bound and cost into consideration.</a:t>
+              <a:rPr lang="en-US" sz="1600" dirty="0" smtClean="0"/>
+              <a:t>I/O configuration: e.g., </a:t>
+            </a:r>
+            <a:r>
+              <a:rPr lang="en-US" sz="1400" dirty="0" smtClean="0"/>
+              <a:t>description of data relationships, policy, # of buckets</a:t>
+            </a:r>
+          </a:p>
+          <a:p>
+            <a:pPr marL="0" indent="0">
+              <a:buNone/>
+            </a:pPr>
+            <a:r>
+              <a:rPr lang="en-US" sz="2000" b="1" dirty="0" smtClean="0"/>
+              <a:t>&lt;relationship </a:t>
+            </a:r>
+            <a:r>
+              <a:rPr lang="en-US" sz="2000" dirty="0" smtClean="0"/>
+              <a:t>name=“r1”</a:t>
+            </a:r>
+            <a:r>
+              <a:rPr lang="en-US" sz="2000" b="1" dirty="0" smtClean="0"/>
+              <a:t> type=“access together”/&gt;</a:t>
+            </a:r>
+            <a:endParaRPr lang="en-US" sz="2000" dirty="0" smtClean="0"/>
+          </a:p>
+          <a:p>
+            <a:pPr marL="0" indent="0">
+              <a:buNone/>
+            </a:pPr>
+            <a:r>
+              <a:rPr lang="en-US" sz="2000" b="1" dirty="0" smtClean="0"/>
+              <a:t>&lt;</a:t>
+            </a:r>
+            <a:r>
+              <a:rPr lang="en-US" sz="2000" b="1" dirty="0" err="1"/>
+              <a:t>var</a:t>
+            </a:r>
+            <a:r>
+              <a:rPr lang="en-US" sz="2000" b="1" dirty="0"/>
+              <a:t> </a:t>
+            </a:r>
+            <a:r>
+              <a:rPr lang="en-US" sz="2000" dirty="0"/>
+              <a:t>name</a:t>
+            </a:r>
+            <a:r>
+              <a:rPr lang="en-US" sz="2000" dirty="0" smtClean="0"/>
+              <a:t>=“primary </a:t>
+            </a:r>
+            <a:r>
+              <a:rPr lang="en-US" sz="2000" dirty="0" err="1" smtClean="0"/>
+              <a:t>var</a:t>
+            </a:r>
+            <a:r>
+              <a:rPr lang="en-US" sz="2000" dirty="0" smtClean="0"/>
+              <a:t>”</a:t>
+            </a:r>
+            <a:r>
+              <a:rPr lang="en-US" sz="2000" b="1" dirty="0" smtClean="0"/>
+              <a:t> </a:t>
+            </a:r>
+            <a:r>
+              <a:rPr lang="en-US" sz="2000" dirty="0" err="1"/>
+              <a:t>gwrite</a:t>
+            </a:r>
+            <a:r>
+              <a:rPr lang="en-US" sz="2000" dirty="0" smtClean="0"/>
+              <a:t>=“p”</a:t>
+            </a:r>
+            <a:r>
+              <a:rPr lang="en-US" sz="2000" b="1" dirty="0" smtClean="0"/>
+              <a:t> </a:t>
+            </a:r>
+            <a:r>
+              <a:rPr lang="en-US" sz="2000" dirty="0"/>
+              <a:t>type="double"</a:t>
+            </a:r>
+            <a:r>
+              <a:rPr lang="en-US" sz="2000" b="1" dirty="0"/>
+              <a:t> </a:t>
+            </a:r>
+            <a:r>
+              <a:rPr lang="en-US" sz="2000" dirty="0"/>
+              <a:t>dimensions="1,</a:t>
+            </a:r>
+            <a:r>
+              <a:rPr lang="en-US" sz="2000" dirty="0" smtClean="0"/>
+              <a:t>NX”</a:t>
+            </a:r>
+            <a:r>
+              <a:rPr lang="en-US" sz="2000" b="1" dirty="0" smtClean="0"/>
+              <a:t> </a:t>
+            </a:r>
+            <a:r>
+              <a:rPr lang="en-US" sz="2000" b="1" dirty="0" smtClean="0">
+                <a:solidFill>
+                  <a:srgbClr val="FF0000"/>
+                </a:solidFill>
+              </a:rPr>
+              <a:t>Priority</a:t>
+            </a:r>
+            <a:r>
+              <a:rPr lang="en-US" sz="2000" dirty="0" smtClean="0"/>
+              <a:t>=“2”, </a:t>
+            </a:r>
+            <a:r>
+              <a:rPr lang="en-US" sz="2000" b="1" dirty="0" smtClean="0">
+                <a:solidFill>
+                  <a:srgbClr val="FF0000"/>
+                </a:solidFill>
+              </a:rPr>
+              <a:t>relationship</a:t>
+            </a:r>
+            <a:r>
+              <a:rPr lang="en-US" sz="2000" dirty="0" smtClean="0"/>
+              <a:t>=“r1”</a:t>
+            </a:r>
+            <a:r>
+              <a:rPr lang="en-US" sz="2000" b="1" dirty="0" smtClean="0"/>
+              <a:t>/&gt;</a:t>
+            </a:r>
+          </a:p>
+          <a:p>
+            <a:pPr marL="0" indent="0">
+              <a:buNone/>
+            </a:pPr>
+            <a:r>
+              <a:rPr lang="en-US" sz="2000" b="1" dirty="0" smtClean="0"/>
+              <a:t>&lt;</a:t>
+            </a:r>
+            <a:r>
+              <a:rPr lang="en-US" sz="2000" b="1" dirty="0" err="1" smtClean="0"/>
+              <a:t>var</a:t>
+            </a:r>
+            <a:r>
+              <a:rPr lang="en-US" sz="2000" b="1" dirty="0" smtClean="0"/>
+              <a:t> </a:t>
+            </a:r>
+            <a:r>
+              <a:rPr lang="en-US" sz="2000" dirty="0" smtClean="0"/>
+              <a:t>name=“mesh”</a:t>
+            </a:r>
+            <a:r>
+              <a:rPr lang="en-US" sz="2000" b="1" dirty="0" smtClean="0"/>
+              <a:t> </a:t>
+            </a:r>
+            <a:r>
+              <a:rPr lang="en-US" sz="2000" dirty="0" err="1" smtClean="0"/>
+              <a:t>gwrite</a:t>
+            </a:r>
+            <a:r>
+              <a:rPr lang="en-US" sz="2000" dirty="0" smtClean="0"/>
+              <a:t>=“m”</a:t>
+            </a:r>
+            <a:r>
+              <a:rPr lang="en-US" sz="2000" b="1" dirty="0" smtClean="0"/>
+              <a:t> </a:t>
+            </a:r>
+            <a:r>
+              <a:rPr lang="en-US" sz="2000" dirty="0" smtClean="0"/>
+              <a:t>type="double"</a:t>
+            </a:r>
+            <a:r>
+              <a:rPr lang="en-US" sz="2000" b="1" dirty="0" smtClean="0"/>
+              <a:t> </a:t>
+            </a:r>
+            <a:r>
+              <a:rPr lang="en-US" sz="2000" dirty="0" smtClean="0"/>
+              <a:t>dimensions="1,NX”</a:t>
+            </a:r>
+            <a:r>
+              <a:rPr lang="en-US" sz="2000" b="1" dirty="0" smtClean="0"/>
+              <a:t> </a:t>
+            </a:r>
+            <a:r>
+              <a:rPr lang="en-US" sz="2000" b="1" dirty="0" smtClean="0">
+                <a:solidFill>
+                  <a:srgbClr val="FF0000"/>
+                </a:solidFill>
+              </a:rPr>
+              <a:t>Priority</a:t>
+            </a:r>
+            <a:r>
+              <a:rPr lang="en-US" sz="2000" dirty="0" smtClean="0"/>
+              <a:t>=“2”, </a:t>
+            </a:r>
+            <a:r>
+              <a:rPr lang="en-US" sz="2000" b="1" dirty="0">
+                <a:solidFill>
+                  <a:srgbClr val="FF0000"/>
+                </a:solidFill>
+              </a:rPr>
+              <a:t>r</a:t>
+            </a:r>
+            <a:r>
+              <a:rPr lang="en-US" sz="2000" b="1" dirty="0" smtClean="0">
+                <a:solidFill>
+                  <a:srgbClr val="FF0000"/>
+                </a:solidFill>
+              </a:rPr>
+              <a:t>elationship</a:t>
+            </a:r>
+            <a:r>
+              <a:rPr lang="en-US" sz="2000" dirty="0" smtClean="0"/>
+              <a:t>=“r1”</a:t>
+            </a:r>
+            <a:r>
+              <a:rPr lang="en-US" sz="2000" b="1" dirty="0" smtClean="0"/>
+              <a:t>/&gt;</a:t>
+            </a:r>
+          </a:p>
+          <a:p>
+            <a:pPr marL="0" indent="0">
+              <a:buNone/>
+            </a:pPr>
+            <a:r>
+              <a:rPr lang="en-US" sz="2000" b="1" dirty="0" smtClean="0"/>
+              <a:t>&lt;</a:t>
+            </a:r>
+            <a:r>
+              <a:rPr lang="en-US" sz="2000" b="1" dirty="0" err="1" smtClean="0"/>
+              <a:t>var</a:t>
+            </a:r>
+            <a:r>
+              <a:rPr lang="en-US" sz="2000" b="1" dirty="0" smtClean="0"/>
+              <a:t> </a:t>
+            </a:r>
+            <a:r>
+              <a:rPr lang="en-US" sz="2000" dirty="0" smtClean="0"/>
+              <a:t>name=“derived </a:t>
+            </a:r>
+            <a:r>
+              <a:rPr lang="en-US" sz="2000" dirty="0" err="1" smtClean="0"/>
+              <a:t>var</a:t>
+            </a:r>
+            <a:r>
+              <a:rPr lang="en-US" sz="2000" dirty="0" smtClean="0"/>
+              <a:t>”</a:t>
+            </a:r>
+            <a:r>
+              <a:rPr lang="en-US" sz="2000" b="1" dirty="0" smtClean="0"/>
+              <a:t> </a:t>
+            </a:r>
+            <a:r>
+              <a:rPr lang="en-US" sz="2000" dirty="0" err="1" smtClean="0"/>
+              <a:t>gwrite</a:t>
+            </a:r>
+            <a:r>
+              <a:rPr lang="en-US" sz="2000" dirty="0" smtClean="0"/>
+              <a:t>=“d"</a:t>
+            </a:r>
+            <a:r>
+              <a:rPr lang="en-US" sz="2000" b="1" dirty="0" smtClean="0"/>
+              <a:t> </a:t>
+            </a:r>
+            <a:r>
+              <a:rPr lang="en-US" sz="2000" dirty="0" smtClean="0"/>
+              <a:t>type="double"</a:t>
+            </a:r>
+            <a:r>
+              <a:rPr lang="en-US" sz="2000" b="1" dirty="0" smtClean="0"/>
+              <a:t> </a:t>
+            </a:r>
+            <a:r>
+              <a:rPr lang="en-US" sz="2000" dirty="0" smtClean="0"/>
+              <a:t>dimensions="1,NX”</a:t>
+            </a:r>
+            <a:r>
+              <a:rPr lang="en-US" sz="2000" b="1" dirty="0" smtClean="0"/>
+              <a:t> </a:t>
+            </a:r>
+            <a:r>
+              <a:rPr lang="en-US" sz="2000" b="1" dirty="0" smtClean="0">
+                <a:solidFill>
+                  <a:srgbClr val="FF0000"/>
+                </a:solidFill>
+              </a:rPr>
+              <a:t>Priority</a:t>
+            </a:r>
+            <a:r>
+              <a:rPr lang="en-US" sz="2000" dirty="0" smtClean="0"/>
+              <a:t>=“1”</a:t>
+            </a:r>
+            <a:r>
+              <a:rPr lang="en-US" sz="2000" b="1" dirty="0" smtClean="0"/>
+              <a:t>/&gt;</a:t>
+            </a:r>
+            <a:endParaRPr lang="en-US" sz="2000" dirty="0" smtClean="0"/>
+          </a:p>
+          <a:p>
+            <a:pPr marL="0" indent="0">
+              <a:buNone/>
+            </a:pPr>
+            <a:endParaRPr lang="en-US" sz="2000" dirty="0" smtClean="0"/>
+          </a:p>
+          <a:p>
+            <a:r>
+              <a:rPr lang="en-US" sz="2000" b="1" i="1" dirty="0" err="1" smtClean="0"/>
+              <a:t>sirius_open</a:t>
+            </a:r>
+            <a:r>
+              <a:rPr lang="en-US" sz="2000" dirty="0" smtClean="0"/>
+              <a:t>()</a:t>
+            </a:r>
+          </a:p>
+          <a:p>
+            <a:r>
+              <a:rPr lang="en-US" sz="2000" b="1" i="1" dirty="0" err="1" smtClean="0"/>
+              <a:t>sirius_write</a:t>
+            </a:r>
+            <a:r>
+              <a:rPr lang="en-US" sz="2000" i="1" dirty="0" smtClean="0"/>
+              <a:t>(“</a:t>
+            </a:r>
+            <a:r>
+              <a:rPr lang="en-US" sz="2000" dirty="0" smtClean="0"/>
+              <a:t>primary </a:t>
+            </a:r>
+            <a:r>
+              <a:rPr lang="en-US" sz="2000" dirty="0" err="1" smtClean="0"/>
+              <a:t>var</a:t>
+            </a:r>
+            <a:r>
+              <a:rPr lang="en-US" sz="2000" i="1" dirty="0" smtClean="0"/>
+              <a:t>”, p, </a:t>
+            </a:r>
+            <a:r>
+              <a:rPr lang="en-US" sz="2000" b="1" i="1" dirty="0" err="1" smtClean="0">
+                <a:solidFill>
+                  <a:srgbClr val="FF0000"/>
+                </a:solidFill>
+              </a:rPr>
+              <a:t>f</a:t>
+            </a:r>
+            <a:r>
+              <a:rPr lang="en-US" sz="2000" b="1" i="1" baseline="-25000" dirty="0" err="1" smtClean="0">
+                <a:solidFill>
+                  <a:srgbClr val="FF0000"/>
+                </a:solidFill>
+              </a:rPr>
+              <a:t>refactoring_p</a:t>
+            </a:r>
+            <a:r>
+              <a:rPr lang="en-US" sz="2000" i="1" dirty="0" smtClean="0"/>
+              <a:t>)</a:t>
             </a:r>
           </a:p>
           <a:p>
             <a:pPr lvl="1"/>
             <a:r>
-              <a:rPr lang="en-US" dirty="0" smtClean="0"/>
-              <a:t>Does the refactoring affect the fidelity of the applications? If so, how much?</a:t>
-            </a:r>
-          </a:p>
-          <a:p>
-            <a:pPr lvl="1"/>
-            <a:r>
-              <a:rPr lang="en-US" dirty="0" smtClean="0"/>
-              <a:t>After data is refactored, how do we map it to the storage hierarchy?</a:t>
-            </a:r>
+              <a:rPr lang="en-US" sz="1600" b="1" i="1" dirty="0" err="1" smtClean="0">
+                <a:solidFill>
+                  <a:srgbClr val="FF0000"/>
+                </a:solidFill>
+              </a:rPr>
+              <a:t>f</a:t>
+            </a:r>
+            <a:r>
+              <a:rPr lang="en-US" sz="1600" b="1" i="1" baseline="-25000" dirty="0" err="1" smtClean="0">
+                <a:solidFill>
+                  <a:srgbClr val="FF0000"/>
+                </a:solidFill>
+              </a:rPr>
+              <a:t>refactoring_p</a:t>
+            </a:r>
+            <a:r>
+              <a:rPr lang="en-US" sz="1600" b="1" i="1" baseline="-25000" dirty="0" smtClean="0">
+                <a:solidFill>
+                  <a:srgbClr val="FF0000"/>
+                </a:solidFill>
+              </a:rPr>
+              <a:t> </a:t>
+            </a:r>
+            <a:r>
+              <a:rPr lang="en-US" sz="1600" b="1" i="1" dirty="0" smtClean="0">
+                <a:solidFill>
+                  <a:srgbClr val="FF0000"/>
+                </a:solidFill>
+              </a:rPr>
+              <a:t>is a callback routine supplied by a user that refactors data and assign utility value to each chunks.</a:t>
+            </a:r>
+            <a:endParaRPr lang="en-US" sz="1600" i="1" dirty="0" smtClean="0"/>
+          </a:p>
+          <a:p>
+            <a:r>
+              <a:rPr lang="en-US" sz="2000" b="1" i="1" dirty="0" err="1" smtClean="0"/>
+              <a:t>sirius_write</a:t>
+            </a:r>
+            <a:r>
+              <a:rPr lang="en-US" sz="2000" i="1" dirty="0" smtClean="0"/>
+              <a:t>(“</a:t>
+            </a:r>
+            <a:r>
+              <a:rPr lang="en-US" sz="2000" dirty="0" smtClean="0"/>
+              <a:t>derived </a:t>
+            </a:r>
+            <a:r>
+              <a:rPr lang="en-US" sz="2000" dirty="0" err="1" smtClean="0"/>
+              <a:t>var</a:t>
+            </a:r>
+            <a:r>
+              <a:rPr lang="en-US" sz="2000" i="1" dirty="0" smtClean="0"/>
+              <a:t>”, d, </a:t>
+            </a:r>
+            <a:r>
+              <a:rPr lang="en-US" sz="2000" b="1" i="1" dirty="0" err="1" smtClean="0">
+                <a:solidFill>
+                  <a:srgbClr val="FF0000"/>
+                </a:solidFill>
+              </a:rPr>
+              <a:t>f</a:t>
+            </a:r>
+            <a:r>
+              <a:rPr lang="en-US" sz="2000" b="1" i="1" baseline="-25000" dirty="0" err="1" smtClean="0">
+                <a:solidFill>
+                  <a:srgbClr val="FF0000"/>
+                </a:solidFill>
+              </a:rPr>
+              <a:t>refactoring_d</a:t>
+            </a:r>
+            <a:r>
+              <a:rPr lang="en-US" sz="2000" i="1" dirty="0" smtClean="0"/>
+              <a:t>)</a:t>
+            </a:r>
+            <a:endParaRPr lang="en-US" sz="1600" i="1" dirty="0" smtClean="0"/>
+          </a:p>
+          <a:p>
+            <a:r>
+              <a:rPr lang="en-US" sz="2000" b="1" i="1" dirty="0" err="1"/>
+              <a:t>s</a:t>
+            </a:r>
+            <a:r>
+              <a:rPr lang="en-US" sz="2000" b="1" i="1" dirty="0" err="1" smtClean="0"/>
+              <a:t>irius_close</a:t>
+            </a:r>
+            <a:r>
+              <a:rPr lang="en-US" sz="2000" dirty="0" smtClean="0"/>
+              <a:t>()</a:t>
+            </a:r>
+          </a:p>
+          <a:p>
+            <a:r>
+              <a:rPr lang="en-US" sz="2000" b="1" i="1" dirty="0" err="1"/>
+              <a:t>s</a:t>
+            </a:r>
+            <a:r>
+              <a:rPr lang="en-US" sz="2000" b="1" i="1" dirty="0" err="1" smtClean="0"/>
+              <a:t>irius_finalize</a:t>
+            </a:r>
+            <a:r>
+              <a:rPr lang="en-US" sz="2000" dirty="0" smtClean="0"/>
+              <a:t>()</a:t>
+            </a:r>
+            <a:endParaRPr lang="en-US" sz="2000" dirty="0"/>
+          </a:p>
+        </p:txBody>
+      </p:sp>
+      <p:sp>
+        <p:nvSpPr>
+          <p:cNvPr id="4" name="Slide Number Placeholder 3"/>
+          <p:cNvSpPr>
+            <a:spLocks noGrp="1"/>
+          </p:cNvSpPr>
+          <p:nvPr>
+            <p:ph type="sldNum" sz="quarter" idx="12"/>
+          </p:nvPr>
+        </p:nvSpPr>
+        <p:spPr/>
+        <p:txBody>
+          <a:bodyPr/>
+          <a:lstStyle/>
+          <a:p>
+            <a:fld id="{1336951F-5EE9-0146-B333-95A04DB13D7E}" type="slidenum">
+              <a:rPr lang="en-US" smtClean="0"/>
+              <a:t>4</a:t>
+            </a:fld>
+            <a:endParaRPr lang="en-US"/>
           </a:p>
         </p:txBody>
       </p:sp>
     </p:spTree>
     <p:extLst>
       <p:ext uri="{BB962C8B-B14F-4D97-AF65-F5344CB8AC3E}">
-        <p14:creationId xmlns:p14="http://schemas.microsoft.com/office/powerpoint/2010/main" val="1837980452"/>
+        <p14:creationId xmlns:p14="http://schemas.microsoft.com/office/powerpoint/2010/main" val="2209576539"/>
       </p:ext>
     </p:extLst>
   </p:cSld>
@@ -4124,6 +4849,408 @@
             <p:ph type="title"/>
           </p:nvPr>
         </p:nvSpPr>
+        <p:spPr>
+          <a:xfrm>
+            <a:off x="457200" y="-104442"/>
+            <a:ext cx="8229600" cy="1143000"/>
+          </a:xfrm>
+        </p:spPr>
+        <p:txBody>
+          <a:bodyPr>
+            <a:normAutofit/>
+          </a:bodyPr>
+          <a:lstStyle/>
+          <a:p>
+            <a:r>
+              <a:rPr lang="en-US" dirty="0" smtClean="0"/>
+              <a:t>(Conceptual) SIRIUS APIs</a:t>
+            </a:r>
+            <a:endParaRPr lang="en-US" dirty="0"/>
+          </a:p>
+        </p:txBody>
+      </p:sp>
+      <p:sp>
+        <p:nvSpPr>
+          <p:cNvPr id="3" name="Content Placeholder 2"/>
+          <p:cNvSpPr>
+            <a:spLocks noGrp="1"/>
+          </p:cNvSpPr>
+          <p:nvPr>
+            <p:ph idx="1"/>
+          </p:nvPr>
+        </p:nvSpPr>
+        <p:spPr>
+          <a:xfrm>
+            <a:off x="457199" y="852968"/>
+            <a:ext cx="8553781" cy="5553688"/>
+          </a:xfrm>
+        </p:spPr>
+        <p:txBody>
+          <a:bodyPr>
+            <a:noAutofit/>
+          </a:bodyPr>
+          <a:lstStyle/>
+          <a:p>
+            <a:pPr marL="0" indent="0">
+              <a:buNone/>
+            </a:pPr>
+            <a:endParaRPr lang="en-US" sz="2000" dirty="0" smtClean="0"/>
+          </a:p>
+          <a:p>
+            <a:r>
+              <a:rPr lang="en-US" sz="2000" b="1" i="1" dirty="0" err="1" smtClean="0"/>
+              <a:t>sirius_read_open</a:t>
+            </a:r>
+            <a:r>
+              <a:rPr lang="en-US" sz="2000" dirty="0" smtClean="0"/>
+              <a:t>(</a:t>
+            </a:r>
+            <a:r>
+              <a:rPr lang="en-US" sz="2000" dirty="0" smtClean="0"/>
+              <a:t>)</a:t>
+            </a:r>
+          </a:p>
+          <a:p>
+            <a:r>
+              <a:rPr lang="en-US" sz="2000" b="1" i="1" dirty="0" err="1" smtClean="0"/>
+              <a:t>sirius_schedule_read</a:t>
+            </a:r>
+            <a:r>
+              <a:rPr lang="en-US" sz="2000" dirty="0" smtClean="0"/>
+              <a:t>(</a:t>
+            </a:r>
+            <a:r>
+              <a:rPr lang="en-US" sz="2000" dirty="0" err="1" smtClean="0"/>
+              <a:t>fp</a:t>
+            </a:r>
+            <a:r>
+              <a:rPr lang="en-US" sz="2000" dirty="0" smtClean="0"/>
+              <a:t>, </a:t>
+            </a:r>
+            <a:r>
+              <a:rPr lang="en-US" sz="2000" dirty="0" err="1" smtClean="0"/>
+              <a:t>sel</a:t>
+            </a:r>
+            <a:r>
+              <a:rPr lang="en-US" sz="2000" dirty="0" smtClean="0"/>
+              <a:t>, </a:t>
+            </a:r>
+            <a:r>
+              <a:rPr lang="en-US" sz="2000" dirty="0" err="1" smtClean="0"/>
+              <a:t>varname</a:t>
+            </a:r>
+            <a:r>
+              <a:rPr lang="en-US" sz="2000" dirty="0" smtClean="0"/>
+              <a:t>, </a:t>
+            </a:r>
+            <a:r>
+              <a:rPr lang="en-US" sz="2000" dirty="0" smtClean="0">
+                <a:solidFill>
+                  <a:srgbClr val="FF0000"/>
+                </a:solidFill>
+              </a:rPr>
+              <a:t>“deadline=10mins,location=</a:t>
+            </a:r>
+            <a:r>
+              <a:rPr lang="en-US" sz="2000" dirty="0" err="1" smtClean="0">
+                <a:solidFill>
+                  <a:srgbClr val="FF0000"/>
+                </a:solidFill>
+              </a:rPr>
+              <a:t>ssd,duration</a:t>
+            </a:r>
+            <a:r>
+              <a:rPr lang="en-US" sz="2000" dirty="0" smtClean="0">
+                <a:solidFill>
+                  <a:srgbClr val="FF0000"/>
+                </a:solidFill>
+              </a:rPr>
+              <a:t>=1day,err=0.0001”</a:t>
+            </a:r>
+            <a:r>
+              <a:rPr lang="en-US" sz="2000" dirty="0" smtClean="0"/>
+              <a:t>, data)</a:t>
+            </a:r>
+          </a:p>
+          <a:p>
+            <a:r>
+              <a:rPr lang="en-US" sz="2000" b="1" i="1" dirty="0" err="1"/>
+              <a:t>s</a:t>
+            </a:r>
+            <a:r>
+              <a:rPr lang="en-US" sz="2000" b="1" i="1" dirty="0" err="1" smtClean="0"/>
+              <a:t>irius_perform_read</a:t>
+            </a:r>
+            <a:r>
+              <a:rPr lang="en-US" sz="2000" dirty="0"/>
+              <a:t>(</a:t>
+            </a:r>
+            <a:r>
+              <a:rPr lang="en-US" sz="2000" dirty="0" smtClean="0"/>
+              <a:t>)</a:t>
+            </a:r>
+            <a:endParaRPr lang="en-US" sz="2000" dirty="0" smtClean="0"/>
+          </a:p>
+          <a:p>
+            <a:r>
+              <a:rPr lang="en-US" sz="2000" b="1" i="1" dirty="0" err="1" smtClean="0"/>
+              <a:t>sirius_read_close</a:t>
+            </a:r>
+            <a:r>
+              <a:rPr lang="en-US" sz="2000" dirty="0" smtClean="0"/>
+              <a:t>(</a:t>
+            </a:r>
+            <a:r>
+              <a:rPr lang="en-US" sz="2000" dirty="0" smtClean="0"/>
+              <a:t>)</a:t>
+            </a:r>
+            <a:endParaRPr lang="en-US" sz="2000" dirty="0" smtClean="0"/>
+          </a:p>
+        </p:txBody>
+      </p:sp>
+      <p:sp>
+        <p:nvSpPr>
+          <p:cNvPr id="4" name="Slide Number Placeholder 3"/>
+          <p:cNvSpPr>
+            <a:spLocks noGrp="1"/>
+          </p:cNvSpPr>
+          <p:nvPr>
+            <p:ph type="sldNum" sz="quarter" idx="12"/>
+          </p:nvPr>
+        </p:nvSpPr>
+        <p:spPr/>
+        <p:txBody>
+          <a:bodyPr/>
+          <a:lstStyle/>
+          <a:p>
+            <a:fld id="{1336951F-5EE9-0146-B333-95A04DB13D7E}" type="slidenum">
+              <a:rPr lang="en-US" smtClean="0"/>
+              <a:t>5</a:t>
+            </a:fld>
+            <a:endParaRPr lang="en-US"/>
+          </a:p>
+        </p:txBody>
+      </p:sp>
+    </p:spTree>
+    <p:extLst>
+      <p:ext uri="{BB962C8B-B14F-4D97-AF65-F5344CB8AC3E}">
+        <p14:creationId xmlns:p14="http://schemas.microsoft.com/office/powerpoint/2010/main" val="2803927694"/>
+      </p:ext>
+    </p:extLst>
+  </p:cSld>
+  <p:clrMapOvr>
+    <a:masterClrMapping/>
+  </p:clrMapOvr>
+  <p:timing>
+    <p:tnLst>
+      <p:par>
+        <p:cTn xmlns:p14="http://schemas.microsoft.com/office/powerpoint/2010/main" id="1" dur="indefinite" restart="never" nodeType="tmRoot"/>
+      </p:par>
+    </p:tnLst>
+  </p:timing>
+</p:sld>
+</file>
+
+<file path=ppt/slides/slide6.xml><?xml version="1.0" encoding="utf-8"?>
+<p:sld xmlns:a="http://schemas.openxmlformats.org/drawingml/2006/main" xmlns:r="http://schemas.openxmlformats.org/officeDocument/2006/relationships" xmlns:p="http://schemas.openxmlformats.org/presentationml/2006/main">
+  <p:cSld>
+    <p:spTree>
+      <p:nvGrpSpPr>
+        <p:cNvPr id="1" name=""/>
+        <p:cNvGrpSpPr/>
+        <p:nvPr/>
+      </p:nvGrpSpPr>
+      <p:grpSpPr>
+        <a:xfrm>
+          <a:off x="0" y="0"/>
+          <a:ext cx="0" cy="0"/>
+          <a:chOff x="0" y="0"/>
+          <a:chExt cx="0" cy="0"/>
+        </a:xfrm>
+      </p:grpSpPr>
+      <p:sp>
+        <p:nvSpPr>
+          <p:cNvPr id="2" name="Title 1"/>
+          <p:cNvSpPr>
+            <a:spLocks noGrp="1"/>
+          </p:cNvSpPr>
+          <p:nvPr>
+            <p:ph type="title"/>
+          </p:nvPr>
+        </p:nvSpPr>
+        <p:spPr/>
+        <p:txBody>
+          <a:bodyPr/>
+          <a:lstStyle/>
+          <a:p>
+            <a:r>
+              <a:rPr lang="en-US" dirty="0" smtClean="0"/>
+              <a:t>Data Refactoring</a:t>
+            </a:r>
+            <a:endParaRPr lang="en-US" dirty="0"/>
+          </a:p>
+        </p:txBody>
+      </p:sp>
+      <p:sp>
+        <p:nvSpPr>
+          <p:cNvPr id="3" name="Content Placeholder 2"/>
+          <p:cNvSpPr>
+            <a:spLocks noGrp="1"/>
+          </p:cNvSpPr>
+          <p:nvPr>
+            <p:ph idx="1"/>
+          </p:nvPr>
+        </p:nvSpPr>
+        <p:spPr>
+          <a:xfrm>
+            <a:off x="457200" y="1203616"/>
+            <a:ext cx="8229600" cy="5534734"/>
+          </a:xfrm>
+        </p:spPr>
+        <p:txBody>
+          <a:bodyPr>
+            <a:normAutofit fontScale="92500" lnSpcReduction="10000"/>
+          </a:bodyPr>
+          <a:lstStyle/>
+          <a:p>
+            <a:r>
+              <a:rPr lang="en-US" dirty="0" smtClean="0"/>
+              <a:t>Potential computer science challenges </a:t>
+            </a:r>
+          </a:p>
+          <a:p>
+            <a:pPr lvl="1"/>
+            <a:r>
+              <a:rPr lang="en-US" dirty="0" smtClean="0"/>
+              <a:t>To understand the cost associated with refactoring data, e.g., the CPU cycles, extra memory consumed, and communication.</a:t>
+            </a:r>
+          </a:p>
+          <a:p>
+            <a:pPr lvl="2"/>
+            <a:r>
+              <a:rPr lang="en-US" dirty="0" smtClean="0"/>
+              <a:t>For an auditor-like approach</a:t>
+            </a:r>
+          </a:p>
+          <a:p>
+            <a:pPr lvl="3"/>
+            <a:r>
+              <a:rPr lang="en-US" dirty="0" smtClean="0"/>
+              <a:t>Where should the auditor run, taking advantage of locality as much as possible? </a:t>
+            </a:r>
+          </a:p>
+          <a:p>
+            <a:pPr lvl="3"/>
+            <a:r>
+              <a:rPr lang="en-US" dirty="0" smtClean="0"/>
+              <a:t>How much resources to allocate?</a:t>
+            </a:r>
+          </a:p>
+          <a:p>
+            <a:pPr lvl="3"/>
+            <a:r>
+              <a:rPr lang="en-US" dirty="0" smtClean="0"/>
+              <a:t>How will the auditor and the application communicate?</a:t>
+            </a:r>
+          </a:p>
+          <a:p>
+            <a:pPr lvl="3"/>
+            <a:r>
+              <a:rPr lang="en-US" dirty="0" smtClean="0"/>
+              <a:t>Most importantly, how do we take both error bound and cost into consideration.</a:t>
+            </a:r>
+          </a:p>
+          <a:p>
+            <a:pPr lvl="1"/>
+            <a:r>
+              <a:rPr lang="en-US" dirty="0" smtClean="0"/>
+              <a:t>Does the refactoring affect the fidelity of the applications? If so, how much?</a:t>
+            </a:r>
+          </a:p>
+          <a:p>
+            <a:pPr lvl="1"/>
+            <a:r>
+              <a:rPr lang="en-US" dirty="0" smtClean="0"/>
+              <a:t>After data is refactored, how do we map it to the storage hierarchy</a:t>
+            </a:r>
+            <a:r>
+              <a:rPr lang="en-US" dirty="0" smtClean="0"/>
+              <a:t>? How do we enforce policy?</a:t>
+            </a:r>
+            <a:endParaRPr lang="en-US" dirty="0" smtClean="0"/>
+          </a:p>
+        </p:txBody>
+      </p:sp>
+      <p:sp>
+        <p:nvSpPr>
+          <p:cNvPr id="4" name="Slide Number Placeholder 3"/>
+          <p:cNvSpPr>
+            <a:spLocks noGrp="1"/>
+          </p:cNvSpPr>
+          <p:nvPr>
+            <p:ph type="sldNum" sz="quarter" idx="12"/>
+          </p:nvPr>
+        </p:nvSpPr>
+        <p:spPr/>
+        <p:txBody>
+          <a:bodyPr/>
+          <a:lstStyle/>
+          <a:p>
+            <a:fld id="{1336951F-5EE9-0146-B333-95A04DB13D7E}" type="slidenum">
+              <a:rPr lang="en-US" smtClean="0"/>
+              <a:t>6</a:t>
+            </a:fld>
+            <a:endParaRPr lang="en-US"/>
+          </a:p>
+        </p:txBody>
+      </p:sp>
+    </p:spTree>
+    <p:extLst>
+      <p:ext uri="{BB962C8B-B14F-4D97-AF65-F5344CB8AC3E}">
+        <p14:creationId xmlns:p14="http://schemas.microsoft.com/office/powerpoint/2010/main" val="1837980452"/>
+      </p:ext>
+    </p:extLst>
+  </p:cSld>
+  <p:clrMapOvr>
+    <a:masterClrMapping/>
+  </p:clrMapOvr>
+  <p:timing>
+    <p:tnLst>
+      <p:par>
+        <p:cTn xmlns:p14="http://schemas.microsoft.com/office/powerpoint/2010/main" id="1" dur="indefinite" restart="never" nodeType="tmRoot"/>
+      </p:par>
+    </p:tnLst>
+  </p:timing>
+</p:sld>
+</file>
+
+<file path=ppt/slides/slide7.xml><?xml version="1.0" encoding="utf-8"?>
+<p:sld xmlns:a="http://schemas.openxmlformats.org/drawingml/2006/main" xmlns:r="http://schemas.openxmlformats.org/officeDocument/2006/relationships" xmlns:p="http://schemas.openxmlformats.org/presentationml/2006/main">
+  <p:cSld>
+    <p:spTree>
+      <p:nvGrpSpPr>
+        <p:cNvPr id="1" name=""/>
+        <p:cNvGrpSpPr/>
+        <p:nvPr/>
+      </p:nvGrpSpPr>
+      <p:grpSpPr>
+        <a:xfrm>
+          <a:off x="0" y="0"/>
+          <a:ext cx="0" cy="0"/>
+          <a:chOff x="0" y="0"/>
+          <a:chExt cx="0" cy="0"/>
+        </a:xfrm>
+      </p:grpSpPr>
+      <p:sp>
+        <p:nvSpPr>
+          <p:cNvPr id="2" name="Title 1"/>
+          <p:cNvSpPr>
+            <a:spLocks noGrp="1"/>
+          </p:cNvSpPr>
+          <p:nvPr>
+            <p:ph type="title"/>
+          </p:nvPr>
+        </p:nvSpPr>
         <p:spPr/>
         <p:txBody>
           <a:bodyPr/>
@@ -4185,7 +5312,7 @@
             <a:pPr lvl="3"/>
             <a:r>
               <a:rPr lang="en-US" dirty="0" smtClean="0"/>
-              <a:t>I/O Re-routing technique by Q. Liu, et. </a:t>
+              <a:t>I/O Re-routing technique. Q. Liu, et. </a:t>
             </a:r>
             <a:r>
               <a:rPr lang="en-US" dirty="0"/>
@@ -4226,21 +5353,16 @@
             <a:pPr lvl="3"/>
             <a:r>
               <a:rPr lang="en-US" dirty="0" smtClean="0"/>
-              <a:t>Very light-weight and </a:t>
-            </a:r>
-            <a:r>
-              <a:rPr lang="en-US" dirty="0" smtClean="0"/>
-              <a:t>effective in providing </a:t>
+              <a:t>Very light-weight and effective in providing </a:t>
             </a:r>
             <a:r>
               <a:rPr lang="en-US" dirty="0" err="1" smtClean="0"/>
               <a:t>QoS</a:t>
             </a:r>
             <a:r>
-              <a:rPr lang="en-US" smtClean="0"/>
+              <a:rPr lang="en-US" dirty="0" smtClean="0"/>
               <a:t>.</a:t>
             </a:r>
-            <a:endParaRPr lang="en-US" dirty="0" smtClean="0"/>
           </a:p>
           <a:p>
             <a:pPr lvl="3"/>
@@ -4253,6 +5375,29 @@
           <a:p>
             <a:pPr lvl="4"/>
             <a:endParaRPr lang="en-US" dirty="0"/>
+          </a:p>
+        </p:txBody>
+      </p:sp>
+      <p:sp>
+        <p:nvSpPr>
+          <p:cNvPr id="4" name="Slide Number Placeholder 3"/>
+          <p:cNvSpPr>
+            <a:spLocks noGrp="1"/>
+          </p:cNvSpPr>
+          <p:nvPr>
+            <p:ph type="sldNum" sz="quarter" idx="12"/>
+          </p:nvPr>
+        </p:nvSpPr>
+        <p:spPr/>
+        <p:txBody>
+          <a:bodyPr/>
+          <a:lstStyle/>
+          <a:p>
+            <a:fld id="{1336951F-5EE9-0146-B333-95A04DB13D7E}" type="slidenum">
+              <a:rPr lang="en-US" smtClean="0"/>
+              <a:t>7</a:t>
+            </a:fld>
+            <a:endParaRPr lang="en-US"/>
           </a:p>
         </p:txBody>
       </p:sp>
@@ -4266,6 +5411,204 @@
   <p:clrMapOvr>
     <a:masterClrMapping/>
   </p:clrMapOvr>
+  <p:timing>
+    <p:tnLst>
+      <p:par>
+        <p:cTn xmlns:p14="http://schemas.microsoft.com/office/powerpoint/2010/main" id="1" dur="indefinite" restart="never" nodeType="tmRoot"/>
+      </p:par>
+    </p:tnLst>
+  </p:timing>
+</p:sld>
+</file>
+
+<file path=ppt/slides/slide8.xml><?xml version="1.0" encoding="utf-8"?>
+<p:sld xmlns:a="http://schemas.openxmlformats.org/drawingml/2006/main" xmlns:r="http://schemas.openxmlformats.org/officeDocument/2006/relationships" xmlns:p="http://schemas.openxmlformats.org/presentationml/2006/main">
+  <p:cSld>
+    <p:spTree>
+      <p:nvGrpSpPr>
+        <p:cNvPr id="1" name=""/>
+        <p:cNvGrpSpPr/>
+        <p:nvPr/>
+      </p:nvGrpSpPr>
+      <p:grpSpPr>
+        <a:xfrm>
+          <a:off x="0" y="0"/>
+          <a:ext cx="0" cy="0"/>
+          <a:chOff x="0" y="0"/>
+          <a:chExt cx="0" cy="0"/>
+        </a:xfrm>
+      </p:grpSpPr>
+      <p:sp>
+        <p:nvSpPr>
+          <p:cNvPr id="2" name="Title 1"/>
+          <p:cNvSpPr>
+            <a:spLocks noGrp="1"/>
+          </p:cNvSpPr>
+          <p:nvPr>
+            <p:ph type="title"/>
+          </p:nvPr>
+        </p:nvSpPr>
+        <p:spPr/>
+        <p:txBody>
+          <a:bodyPr/>
+          <a:lstStyle/>
+          <a:p>
+            <a:r>
+              <a:rPr lang="en-US" dirty="0" smtClean="0"/>
+              <a:t>OS-level Virtualization</a:t>
+            </a:r>
+            <a:endParaRPr lang="en-US" dirty="0"/>
+          </a:p>
+        </p:txBody>
+      </p:sp>
+      <p:pic>
+        <p:nvPicPr>
+          <p:cNvPr id="4" name="Picture 3"/>
+          <p:cNvPicPr>
+            <a:picLocks noChangeAspect="1"/>
+          </p:cNvPicPr>
+          <p:nvPr/>
+        </p:nvPicPr>
+        <p:blipFill>
+          <a:blip r:embed="rId2"/>
+          <a:stretch>
+            <a:fillRect/>
+          </a:stretch>
+        </p:blipFill>
+        <p:spPr>
+          <a:xfrm>
+            <a:off x="-25399" y="1586415"/>
+            <a:ext cx="4864100" cy="3190296"/>
+          </a:xfrm>
+          <a:prstGeom prst="rect">
+            <a:avLst/>
+          </a:prstGeom>
+        </p:spPr>
+      </p:pic>
+      <p:pic>
+        <p:nvPicPr>
+          <p:cNvPr id="5" name="Picture 4"/>
+          <p:cNvPicPr>
+            <a:picLocks noChangeAspect="1"/>
+          </p:cNvPicPr>
+          <p:nvPr/>
+        </p:nvPicPr>
+        <p:blipFill>
+          <a:blip r:embed="rId3"/>
+          <a:stretch>
+            <a:fillRect/>
+          </a:stretch>
+        </p:blipFill>
+        <p:spPr>
+          <a:xfrm>
+            <a:off x="4597400" y="1637172"/>
+            <a:ext cx="4495800" cy="3133437"/>
+          </a:xfrm>
+          <a:prstGeom prst="rect">
+            <a:avLst/>
+          </a:prstGeom>
+        </p:spPr>
+      </p:pic>
+      <p:sp>
+        <p:nvSpPr>
+          <p:cNvPr id="6" name="Title 1"/>
+          <p:cNvSpPr txBox="1">
+            <a:spLocks/>
+          </p:cNvSpPr>
+          <p:nvPr/>
+        </p:nvSpPr>
+        <p:spPr>
+          <a:xfrm>
+            <a:off x="723901" y="5108576"/>
+            <a:ext cx="8229600" cy="1143000"/>
+          </a:xfrm>
+          <a:prstGeom prst="rect">
+            <a:avLst/>
+          </a:prstGeom>
+        </p:spPr>
+        <p:txBody>
+          <a:bodyPr vert="horz" lIns="91440" tIns="45720" rIns="91440" bIns="45720" rtlCol="0" anchor="ctr">
+            <a:normAutofit/>
+          </a:bodyPr>
+          <a:lstStyle>
+            <a:lvl1pPr algn="ctr" defTabSz="457200" rtl="0" eaLnBrk="1" latinLnBrk="0" hangingPunct="1">
+              <a:spcBef>
+                <a:spcPct val="0"/>
+              </a:spcBef>
+              <a:buNone/>
+              <a:defRPr sz="4400" kern="1200">
+                <a:solidFill>
+                  <a:schemeClr val="tx1"/>
+                </a:solidFill>
+                <a:latin typeface="+mj-lt"/>
+                <a:ea typeface="+mj-ea"/>
+                <a:cs typeface="+mj-cs"/>
+              </a:defRPr>
+            </a:lvl1pPr>
+          </a:lstStyle>
+          <a:p>
+            <a:pPr marL="571500" indent="-571500" algn="l">
+              <a:buFont typeface="Arial"/>
+              <a:buChar char="•"/>
+            </a:pPr>
+            <a:r>
+              <a:rPr lang="en-US" sz="2800" dirty="0" smtClean="0"/>
+              <a:t>Low overhead</a:t>
+            </a:r>
+          </a:p>
+          <a:p>
+            <a:pPr marL="571500" indent="-571500" algn="l">
+              <a:buFont typeface="Arial"/>
+              <a:buChar char="•"/>
+            </a:pPr>
+            <a:r>
+              <a:rPr lang="en-US" sz="2800" dirty="0" smtClean="0"/>
+              <a:t>Good performance isolation</a:t>
+            </a:r>
+            <a:endParaRPr lang="en-US" sz="2800" dirty="0"/>
+          </a:p>
+        </p:txBody>
+      </p:sp>
+      <p:sp>
+        <p:nvSpPr>
+          <p:cNvPr id="7" name="Slide Number Placeholder 6"/>
+          <p:cNvSpPr>
+            <a:spLocks noGrp="1"/>
+          </p:cNvSpPr>
+          <p:nvPr>
+            <p:ph type="sldNum" sz="quarter" idx="12"/>
+          </p:nvPr>
+        </p:nvSpPr>
+        <p:spPr/>
+        <p:txBody>
+          <a:bodyPr/>
+          <a:lstStyle/>
+          <a:p>
+            <a:fld id="{1336951F-5EE9-0146-B333-95A04DB13D7E}" type="slidenum">
+              <a:rPr lang="en-US" smtClean="0"/>
+              <a:t>8</a:t>
+            </a:fld>
+            <a:endParaRPr lang="en-US"/>
+          </a:p>
+        </p:txBody>
+      </p:sp>
+    </p:spTree>
+    <p:extLst>
+      <p:ext uri="{BB962C8B-B14F-4D97-AF65-F5344CB8AC3E}">
+        <p14:creationId xmlns:p14="http://schemas.microsoft.com/office/powerpoint/2010/main" val="3112002904"/>
+      </p:ext>
+    </p:extLst>
+  </p:cSld>
+  <p:clrMapOvr>
+    <a:masterClrMapping/>
+  </p:clrMapOvr>
+  <p:timing>
+    <p:tnLst>
+      <p:par>
+        <p:cTn xmlns:p14="http://schemas.microsoft.com/office/powerpoint/2010/main" id="1" dur="indefinite" restart="never" nodeType="tmRoot"/>
+      </p:par>
+    </p:tnLst>
+  </p:timing>
 </p:sld>
 </file>
 
@@ -4587,4 +5930,644 @@
   </a:objectDefaults>
   <a:extraClrSchemeLst/>
 </a:theme>
+</file>
+
+<file path=ppt/theme/theme2.xml><?xml version="1.0" encoding="utf-8"?>
+<a:theme xmlns:a="http://schemas.openxmlformats.org/drawingml/2006/main" name="Office Theme">
+  <a:themeElements>
+    <a:clrScheme name="Office">
+      <a:dk1>
+        <a:sysClr val="windowText" lastClr="000000"/>
+      </a:dk1>
+      <a:lt1>
+        <a:sysClr val="window" lastClr="FFFFFF"/>
+      </a:lt1>
+      <a:dk2>
+        <a:srgbClr val="1F497D"/>
+      </a:dk2>
+      <a:lt2>
+        <a:srgbClr val="EEECE1"/>
+      </a:lt2>
+      <a:accent1>
+        <a:srgbClr val="4F81BD"/>
+      </a:accent1>
+      <a:accent2>
+        <a:srgbClr val="C0504D"/>
+      </a:accent2>
+      <a:accent3>
+        <a:srgbClr val="9BBB59"/>
+      </a:accent3>
+      <a:accent4>
+        <a:srgbClr val="8064A2"/>
+      </a:accent4>
+      <a:accent5>
+        <a:srgbClr val="4BACC6"/>
+      </a:accent5>
+      <a:accent6>
+        <a:srgbClr val="F79646"/>
+      </a:accent6>
+      <a:hlink>
+        <a:srgbClr val="0000FF"/>
+      </a:hlink>
+      <a:folHlink>
+        <a:srgbClr val="800080"/>
+      </a:folHlink>
+    </a:clrScheme>
+    <a:fontScheme name="Office">
+      <a:majorFont>
+        <a:latin typeface="Calibri"/>
+        <a:ea typeface=""/>
+        <a:cs typeface=""/>
+        <a:font script="Jpan" typeface="ＭＳ Ｐゴシック"/>
+        <a:font script="Hang" typeface="맑은 고딕"/>
+        <a:font script="Hans" typeface="宋体"/>
+        <a:font script="Hant" typeface="新細明體"/>
+        <a:font script="Arab" typeface="Times New Roman"/>
+        <a:font script="Hebr" typeface="Times New Roman"/>
+        <a:font script="Thai" typeface="Angsana New"/>
+        <a:font script="Ethi" typeface="Nyala"/>
+        <a:font script="Beng" typeface="Vrinda"/>
+        <a:font script="Gujr" typeface="Shruti"/>
+        <a:font script="Khmr" typeface="MoolBoran"/>
+        <a:font script="Knda" typeface="Tunga"/>
+        <a:font script="Guru" typeface="Raavi"/>
+        <a:font script="Cans" typeface="Euphemia"/>
+        <a:font script="Cher" typeface="Plantagenet Cherokee"/>
+        <a:font script="Yiii" typeface="Microsoft Yi Baiti"/>
+        <a:font script="Tibt" typeface="Microsoft Himalaya"/>
+        <a:font script="Thaa" typeface="MV Boli"/>
+        <a:font script="Deva" typeface="Mangal"/>
+        <a:font script="Telu" typeface="Gautami"/>
+        <a:font script="Taml" typeface="Latha"/>
+        <a:font script="Syrc" typeface="Estrangelo Edessa"/>
+        <a:font script="Orya" typeface="Kalinga"/>
+        <a:font script="Mlym" typeface="Kartika"/>
+        <a:font script="Laoo" typeface="DokChampa"/>
+        <a:font script="Sinh" typeface="Iskoola Pota"/>
+        <a:font script="Mong" typeface="Mongolian Baiti"/>
+        <a:font script="Viet" typeface="Times New Roman"/>
+        <a:font script="Uigh" typeface="Microsoft Uighur"/>
+        <a:font script="Geor" typeface="Sylfaen"/>
+      </a:majorFont>
+      <a:minorFont>
+        <a:latin typeface="Calibri"/>
+        <a:ea typeface=""/>
+        <a:cs typeface=""/>
+        <a:font script="Jpan" typeface="ＭＳ Ｐゴシック"/>
+        <a:font script="Hang" typeface="맑은 고딕"/>
+        <a:font script="Hans" typeface="宋体"/>
+        <a:font script="Hant" typeface="新細明體"/>
+        <a:font script="Arab" typeface="Arial"/>
+        <a:font script="Hebr" typeface="Arial"/>
+        <a:font script="Thai" typeface="Cordia New"/>
+        <a:font script="Ethi" typeface="Nyala"/>
+        <a:font script="Beng" typeface="Vrinda"/>
+        <a:font script="Gujr" typeface="Shruti"/>
+        <a:font script="Khmr" typeface="DaunPenh"/>
+        <a:font script="Knda" typeface="Tunga"/>
+        <a:font script="Guru" typeface="Raavi"/>
+        <a:font script="Cans" typeface="Euphemia"/>
+        <a:font script="Cher" typeface="Plantagenet Cherokee"/>
+        <a:font script="Yiii" typeface="Microsoft Yi Baiti"/>
+        <a:font script="Tibt" typeface="Microsoft Himalaya"/>
+        <a:font script="Thaa" typeface="MV Boli"/>
+        <a:font script="Deva" typeface="Mangal"/>
+        <a:font script="Telu" typeface="Gautami"/>
+        <a:font script="Taml" typeface="Latha"/>
+        <a:font script="Syrc" typeface="Estrangelo Edessa"/>
+        <a:font script="Orya" typeface="Kalinga"/>
+        <a:font script="Mlym" typeface="Kartika"/>
+        <a:font script="Laoo" typeface="DokChampa"/>
+        <a:font script="Sinh" typeface="Iskoola Pota"/>
+        <a:font script="Mong" typeface="Mongolian Baiti"/>
+        <a:font script="Viet" typeface="Arial"/>
+        <a:font script="Uigh" typeface="Microsoft Uighur"/>
+        <a:font script="Geor" typeface="Sylfaen"/>
+      </a:minorFont>
+    </a:fontScheme>
+    <a:fmtScheme name="Office">
+      <a:fillStyleLst>
+        <a:solidFill>
+          <a:schemeClr val="phClr"/>
+        </a:solidFill>
+        <a:gradFill rotWithShape="1">
+          <a:gsLst>
+            <a:gs pos="0">
+              <a:schemeClr val="phClr">
+                <a:tint val="50000"/>
+                <a:satMod val="300000"/>
+              </a:schemeClr>
+            </a:gs>
+            <a:gs pos="35000">
+              <a:schemeClr val="phClr">
+                <a:tint val="37000"/>
+                <a:satMod val="300000"/>
+              </a:schemeClr>
+            </a:gs>
+            <a:gs pos="100000">
+              <a:schemeClr val="phClr">
+                <a:tint val="15000"/>
+                <a:satMod val="350000"/>
+              </a:schemeClr>
+            </a:gs>
+          </a:gsLst>
+          <a:lin ang="16200000" scaled="1"/>
+        </a:gradFill>
+        <a:gradFill rotWithShape="1">
+          <a:gsLst>
+            <a:gs pos="0">
+              <a:schemeClr val="phClr">
+                <a:tint val="100000"/>
+                <a:shade val="100000"/>
+                <a:satMod val="130000"/>
+              </a:schemeClr>
+            </a:gs>
+            <a:gs pos="100000">
+              <a:schemeClr val="phClr">
+                <a:tint val="50000"/>
+                <a:shade val="100000"/>
+                <a:satMod val="350000"/>
+              </a:schemeClr>
+            </a:gs>
+          </a:gsLst>
+          <a:lin ang="16200000" scaled="0"/>
+        </a:gradFill>
+      </a:fillStyleLst>
+      <a:lnStyleLst>
+        <a:ln w="9525" cap="flat" cmpd="sng" algn="ctr">
+          <a:solidFill>
+            <a:schemeClr val="phClr">
+              <a:shade val="95000"/>
+              <a:satMod val="105000"/>
+            </a:schemeClr>
+          </a:solidFill>
+          <a:prstDash val="solid"/>
+        </a:ln>
+        <a:ln w="25400" cap="flat" cmpd="sng" algn="ctr">
+          <a:solidFill>
+            <a:schemeClr val="phClr"/>
+          </a:solidFill>
+          <a:prstDash val="solid"/>
+        </a:ln>
+        <a:ln w="38100" cap="flat" cmpd="sng" algn="ctr">
+          <a:solidFill>
+            <a:schemeClr val="phClr"/>
+          </a:solidFill>
+          <a:prstDash val="solid"/>
+        </a:ln>
+      </a:lnStyleLst>
+      <a:effectStyleLst>
+        <a:effectStyle>
+          <a:effectLst>
+            <a:outerShdw blurRad="40000" dist="20000" dir="5400000" rotWithShape="0">
+              <a:srgbClr val="000000">
+                <a:alpha val="38000"/>
+              </a:srgbClr>
+            </a:outerShdw>
+          </a:effectLst>
+        </a:effectStyle>
+        <a:effectStyle>
+          <a:effectLst>
+            <a:outerShdw blurRad="40000" dist="23000" dir="5400000" rotWithShape="0">
+              <a:srgbClr val="000000">
+                <a:alpha val="35000"/>
+              </a:srgbClr>
+            </a:outerShdw>
+          </a:effectLst>
+        </a:effectStyle>
+        <a:effectStyle>
+          <a:effectLst>
+            <a:outerShdw blurRad="40000" dist="23000" dir="5400000" rotWithShape="0">
+              <a:srgbClr val="000000">
+                <a:alpha val="35000"/>
+              </a:srgbClr>
+            </a:outerShdw>
+          </a:effectLst>
+          <a:scene3d>
+            <a:camera prst="orthographicFront">
+              <a:rot lat="0" lon="0" rev="0"/>
+            </a:camera>
+            <a:lightRig rig="threePt" dir="t">
+              <a:rot lat="0" lon="0" rev="1200000"/>
+            </a:lightRig>
+          </a:scene3d>
+          <a:sp3d>
+            <a:bevelT w="63500" h="25400"/>
+          </a:sp3d>
+        </a:effectStyle>
+      </a:effectStyleLst>
+      <a:bgFillStyleLst>
+        <a:solidFill>
+          <a:schemeClr val="phClr"/>
+        </a:solidFill>
+        <a:gradFill rotWithShape="1">
+          <a:gsLst>
+            <a:gs pos="0">
+              <a:schemeClr val="phClr">
+                <a:tint val="40000"/>
+                <a:satMod val="350000"/>
+              </a:schemeClr>
+            </a:gs>
+            <a:gs pos="40000">
+              <a:schemeClr val="phClr">
+                <a:tint val="45000"/>
+                <a:shade val="99000"/>
+                <a:satMod val="350000"/>
+              </a:schemeClr>
+            </a:gs>
+            <a:gs pos="100000">
+              <a:schemeClr val="phClr">
+                <a:shade val="20000"/>
+                <a:satMod val="255000"/>
+              </a:schemeClr>
+            </a:gs>
+          </a:gsLst>
+          <a:path path="circle">
+            <a:fillToRect l="50000" t="-80000" r="50000" b="180000"/>
+          </a:path>
+        </a:gradFill>
+        <a:gradFill rotWithShape="1">
+          <a:gsLst>
+            <a:gs pos="0">
+              <a:schemeClr val="phClr">
+                <a:tint val="80000"/>
+                <a:satMod val="300000"/>
+              </a:schemeClr>
+            </a:gs>
+            <a:gs pos="100000">
+              <a:schemeClr val="phClr">
+                <a:shade val="30000"/>
+                <a:satMod val="200000"/>
+              </a:schemeClr>
+            </a:gs>
+          </a:gsLst>
+          <a:path path="circle">
+            <a:fillToRect l="50000" t="50000" r="50000" b="50000"/>
+          </a:path>
+        </a:gradFill>
+      </a:bgFillStyleLst>
+    </a:fmtScheme>
+  </a:themeElements>
+  <a:objectDefaults>
+    <a:spDef>
+      <a:spPr/>
+      <a:bodyPr/>
+      <a:lstStyle/>
+      <a:style>
+        <a:lnRef idx="1">
+          <a:schemeClr val="accent1"/>
+        </a:lnRef>
+        <a:fillRef idx="3">
+          <a:schemeClr val="accent1"/>
+        </a:fillRef>
+        <a:effectRef idx="2">
+          <a:schemeClr val="accent1"/>
+        </a:effectRef>
+        <a:fontRef idx="minor">
+          <a:schemeClr val="lt1"/>
+        </a:fontRef>
+      </a:style>
+    </a:spDef>
+    <a:lnDef>
+      <a:spPr/>
+      <a:bodyPr/>
+      <a:lstStyle/>
+      <a:style>
+        <a:lnRef idx="2">
+          <a:schemeClr val="accent1"/>
+        </a:lnRef>
+        <a:fillRef idx="0">
+          <a:schemeClr val="accent1"/>
+        </a:fillRef>
+        <a:effectRef idx="1">
+          <a:schemeClr val="accent1"/>
+        </a:effectRef>
+        <a:fontRef idx="minor">
+          <a:schemeClr val="tx1"/>
+        </a:fontRef>
+      </a:style>
+    </a:lnDef>
+  </a:objectDefaults>
+  <a:extraClrSchemeLst/>
+</a:theme>
+</file>
+
+<file path=ppt/theme/theme3.xml><?xml version="1.0" encoding="utf-8"?>
+<a:theme xmlns:a="http://schemas.openxmlformats.org/drawingml/2006/main" name="Office Theme">
+  <a:themeElements>
+    <a:clrScheme name="Office">
+      <a:dk1>
+        <a:sysClr val="windowText" lastClr="000000"/>
+      </a:dk1>
+      <a:lt1>
+        <a:sysClr val="window" lastClr="FFFFFF"/>
+      </a:lt1>
+      <a:dk2>
+        <a:srgbClr val="1F497D"/>
+      </a:dk2>
+      <a:lt2>
+        <a:srgbClr val="EEECE1"/>
+      </a:lt2>
+      <a:accent1>
+        <a:srgbClr val="4F81BD"/>
+      </a:accent1>
+      <a:accent2>
+        <a:srgbClr val="C0504D"/>
+      </a:accent2>
+      <a:accent3>
+        <a:srgbClr val="9BBB59"/>
+      </a:accent3>
+      <a:accent4>
+        <a:srgbClr val="8064A2"/>
+      </a:accent4>
+      <a:accent5>
+        <a:srgbClr val="4BACC6"/>
+      </a:accent5>
+      <a:accent6>
+        <a:srgbClr val="F79646"/>
+      </a:accent6>
+      <a:hlink>
+        <a:srgbClr val="0000FF"/>
+      </a:hlink>
+      <a:folHlink>
+        <a:srgbClr val="800080"/>
+      </a:folHlink>
+    </a:clrScheme>
+    <a:fontScheme name="Office">
+      <a:majorFont>
+        <a:latin typeface="Calibri"/>
+        <a:ea typeface=""/>
+        <a:cs typeface=""/>
+        <a:font script="Jpan" typeface="ＭＳ Ｐゴシック"/>
+        <a:font script="Hang" typeface="맑은 고딕"/>
+        <a:font script="Hans" typeface="宋体"/>
+        <a:font script="Hant" typeface="新細明體"/>
+        <a:font script="Arab" typeface="Times New Roman"/>
+        <a:font script="Hebr" typeface="Times New Roman"/>
+        <a:font script="Thai" typeface="Angsana New"/>
+        <a:font script="Ethi" typeface="Nyala"/>
+        <a:font script="Beng" typeface="Vrinda"/>
+        <a:font script="Gujr" typeface="Shruti"/>
+        <a:font script="Khmr" typeface="MoolBoran"/>
+        <a:font script="Knda" typeface="Tunga"/>
+        <a:font script="Guru" typeface="Raavi"/>
+        <a:font script="Cans" typeface="Euphemia"/>
+        <a:font script="Cher" typeface="Plantagenet Cherokee"/>
+        <a:font script="Yiii" typeface="Microsoft Yi Baiti"/>
+        <a:font script="Tibt" typeface="Microsoft Himalaya"/>
+        <a:font script="Thaa" typeface="MV Boli"/>
+        <a:font script="Deva" typeface="Mangal"/>
+        <a:font script="Telu" typeface="Gautami"/>
+        <a:font script="Taml" typeface="Latha"/>
+        <a:font script="Syrc" typeface="Estrangelo Edessa"/>
+        <a:font script="Orya" typeface="Kalinga"/>
+        <a:font script="Mlym" typeface="Kartika"/>
+        <a:font script="Laoo" typeface="DokChampa"/>
+        <a:font script="Sinh" typeface="Iskoola Pota"/>
+        <a:font script="Mong" typeface="Mongolian Baiti"/>
+        <a:font script="Viet" typeface="Times New Roman"/>
+        <a:font script="Uigh" typeface="Microsoft Uighur"/>
+        <a:font script="Geor" typeface="Sylfaen"/>
+      </a:majorFont>
+      <a:minorFont>
+        <a:latin typeface="Calibri"/>
+        <a:ea typeface=""/>
+        <a:cs typeface=""/>
+        <a:font script="Jpan" typeface="ＭＳ Ｐゴシック"/>
+        <a:font script="Hang" typeface="맑은 고딕"/>
+        <a:font script="Hans" typeface="宋体"/>
+        <a:font script="Hant" typeface="新細明體"/>
+        <a:font script="Arab" typeface="Arial"/>
+        <a:font script="Hebr" typeface="Arial"/>
+        <a:font script="Thai" typeface="Cordia New"/>
+        <a:font script="Ethi" typeface="Nyala"/>
+        <a:font script="Beng" typeface="Vrinda"/>
+        <a:font script="Gujr" typeface="Shruti"/>
+        <a:font script="Khmr" typeface="DaunPenh"/>
+        <a:font script="Knda" typeface="Tunga"/>
+        <a:font script="Guru" typeface="Raavi"/>
+        <a:font script="Cans" typeface="Euphemia"/>
+        <a:font script="Cher" typeface="Plantagenet Cherokee"/>
+        <a:font script="Yiii" typeface="Microsoft Yi Baiti"/>
+        <a:font script="Tibt" typeface="Microsoft Himalaya"/>
+        <a:font script="Thaa" typeface="MV Boli"/>
+        <a:font script="Deva" typeface="Mangal"/>
+        <a:font script="Telu" typeface="Gautami"/>
+        <a:font script="Taml" typeface="Latha"/>
+        <a:font script="Syrc" typeface="Estrangelo Edessa"/>
+        <a:font script="Orya" typeface="Kalinga"/>
+        <a:font script="Mlym" typeface="Kartika"/>
+        <a:font script="Laoo" typeface="DokChampa"/>
+        <a:font script="Sinh" typeface="Iskoola Pota"/>
+        <a:font script="Mong" typeface="Mongolian Baiti"/>
+        <a:font script="Viet" typeface="Arial"/>
+        <a:font script="Uigh" typeface="Microsoft Uighur"/>
+        <a:font script="Geor" typeface="Sylfaen"/>
+      </a:minorFont>
+    </a:fontScheme>
+    <a:fmtScheme name="Office">
+      <a:fillStyleLst>
+        <a:solidFill>
+          <a:schemeClr val="phClr"/>
+        </a:solidFill>
+        <a:gradFill rotWithShape="1">
+          <a:gsLst>
+            <a:gs pos="0">
+              <a:schemeClr val="phClr">
+                <a:tint val="50000"/>
+                <a:satMod val="300000"/>
+              </a:schemeClr>
+            </a:gs>
+            <a:gs pos="35000">
+              <a:schemeClr val="phClr">
+                <a:tint val="37000"/>
+                <a:satMod val="300000"/>
+              </a:schemeClr>
+            </a:gs>
+            <a:gs pos="100000">
+              <a:schemeClr val="phClr">
+                <a:tint val="15000"/>
+                <a:satMod val="350000"/>
+              </a:schemeClr>
+            </a:gs>
+          </a:gsLst>
+          <a:lin ang="16200000" scaled="1"/>
+        </a:gradFill>
+        <a:gradFill rotWithShape="1">
+          <a:gsLst>
+            <a:gs pos="0">
+              <a:schemeClr val="phClr">
+                <a:tint val="100000"/>
+                <a:shade val="100000"/>
+                <a:satMod val="130000"/>
+              </a:schemeClr>
+            </a:gs>
+            <a:gs pos="100000">
+              <a:schemeClr val="phClr">
+                <a:tint val="50000"/>
+                <a:shade val="100000"/>
+                <a:satMod val="350000"/>
+              </a:schemeClr>
+            </a:gs>
+          </a:gsLst>
+          <a:lin ang="16200000" scaled="0"/>
+        </a:gradFill>
+      </a:fillStyleLst>
+      <a:lnStyleLst>
+        <a:ln w="9525" cap="flat" cmpd="sng" algn="ctr">
+          <a:solidFill>
+            <a:schemeClr val="phClr">
+              <a:shade val="95000"/>
+              <a:satMod val="105000"/>
+            </a:schemeClr>
+          </a:solidFill>
+          <a:prstDash val="solid"/>
+        </a:ln>
+        <a:ln w="25400" cap="flat" cmpd="sng" algn="ctr">
+          <a:solidFill>
+            <a:schemeClr val="phClr"/>
+          </a:solidFill>
+          <a:prstDash val="solid"/>
+        </a:ln>
+        <a:ln w="38100" cap="flat" cmpd="sng" algn="ctr">
+          <a:solidFill>
+            <a:schemeClr val="phClr"/>
+          </a:solidFill>
+          <a:prstDash val="solid"/>
+        </a:ln>
+      </a:lnStyleLst>
+      <a:effectStyleLst>
+        <a:effectStyle>
+          <a:effectLst>
+            <a:outerShdw blurRad="40000" dist="20000" dir="5400000" rotWithShape="0">
+              <a:srgbClr val="000000">
+                <a:alpha val="38000"/>
+              </a:srgbClr>
+            </a:outerShdw>
+          </a:effectLst>
+        </a:effectStyle>
+        <a:effectStyle>
+          <a:effectLst>
+            <a:outerShdw blurRad="40000" dist="23000" dir="5400000" rotWithShape="0">
+              <a:srgbClr val="000000">
+                <a:alpha val="35000"/>
+              </a:srgbClr>
+            </a:outerShdw>
+          </a:effectLst>
+        </a:effectStyle>
+        <a:effectStyle>
+          <a:effectLst>
+            <a:outerShdw blurRad="40000" dist="23000" dir="5400000" rotWithShape="0">
+              <a:srgbClr val="000000">
+                <a:alpha val="35000"/>
+              </a:srgbClr>
+            </a:outerShdw>
+          </a:effectLst>
+          <a:scene3d>
+            <a:camera prst="orthographicFront">
+              <a:rot lat="0" lon="0" rev="0"/>
+            </a:camera>
+            <a:lightRig rig="threePt" dir="t">
+              <a:rot lat="0" lon="0" rev="1200000"/>
+            </a:lightRig>
+          </a:scene3d>
+          <a:sp3d>
+            <a:bevelT w="63500" h="25400"/>
+          </a:sp3d>
+        </a:effectStyle>
+      </a:effectStyleLst>
+      <a:bgFillStyleLst>
+        <a:solidFill>
+          <a:schemeClr val="phClr"/>
+        </a:solidFill>
+        <a:gradFill rotWithShape="1">
+          <a:gsLst>
+            <a:gs pos="0">
+              <a:schemeClr val="phClr">
+                <a:tint val="40000"/>
+                <a:satMod val="350000"/>
+              </a:schemeClr>
+            </a:gs>
+            <a:gs pos="40000">
+              <a:schemeClr val="phClr">
+                <a:tint val="45000"/>
+                <a:shade val="99000"/>
+                <a:satMod val="350000"/>
+              </a:schemeClr>
+            </a:gs>
+            <a:gs pos="100000">
+              <a:schemeClr val="phClr">
+                <a:shade val="20000"/>
+                <a:satMod val="255000"/>
+              </a:schemeClr>
+            </a:gs>
+          </a:gsLst>
+          <a:path path="circle">
+            <a:fillToRect l="50000" t="-80000" r="50000" b="180000"/>
+          </a:path>
+        </a:gradFill>
+        <a:gradFill rotWithShape="1">
+          <a:gsLst>
+            <a:gs pos="0">
+              <a:schemeClr val="phClr">
+                <a:tint val="80000"/>
+                <a:satMod val="300000"/>
+              </a:schemeClr>
+            </a:gs>
+            <a:gs pos="100000">
+              <a:schemeClr val="phClr">
+                <a:shade val="30000"/>
+                <a:satMod val="200000"/>
+              </a:schemeClr>
+            </a:gs>
+          </a:gsLst>
+          <a:path path="circle">
+            <a:fillToRect l="50000" t="50000" r="50000" b="50000"/>
+          </a:path>
+        </a:gradFill>
+      </a:bgFillStyleLst>
+    </a:fmtScheme>
+  </a:themeElements>
+  <a:objectDefaults>
+    <a:spDef>
+      <a:spPr/>
+      <a:bodyPr/>
+      <a:lstStyle/>
+      <a:style>
+        <a:lnRef idx="1">
+          <a:schemeClr val="accent1"/>
+        </a:lnRef>
+        <a:fillRef idx="3">
+          <a:schemeClr val="accent1"/>
+        </a:fillRef>
+        <a:effectRef idx="2">
+          <a:schemeClr val="accent1"/>
+        </a:effectRef>
+        <a:fontRef idx="minor">
+          <a:schemeClr val="lt1"/>
+        </a:fontRef>
+      </a:style>
+    </a:spDef>
+    <a:lnDef>
+      <a:spPr/>
+      <a:bodyPr/>
+      <a:lstStyle/>
+      <a:style>
+        <a:lnRef idx="2">
+          <a:schemeClr val="accent1"/>
+        </a:lnRef>
+        <a:fillRef idx="0">
+          <a:schemeClr val="accent1"/>
+        </a:fillRef>
+        <a:effectRef idx="1">
+          <a:schemeClr val="accent1"/>
+        </a:effectRef>
+        <a:fontRef idx="minor">
+          <a:schemeClr val="tx1"/>
+        </a:fontRef>
+      </a:style>
+    </a:lnDef>
+  </a:objectDefaults>
+  <a:extraClrSchemeLst/>
+</a:theme>
 </file>